--- a/Documentos/Apresentacao.pptx
+++ b/Documentos/Apresentacao.pptx
@@ -2304,7 +2304,7 @@
 <dgm:dataModel xmlns:dgm="http://schemas.openxmlformats.org/drawingml/2006/diagram" xmlns:a="http://schemas.openxmlformats.org/drawingml/2006/main">
   <dgm:ptLst>
     <dgm:pt modelId="{8067E76B-BD7E-4FCB-A8A1-EF4D00AAC887}" type="doc">
-      <dgm:prSet loTypeId="urn:microsoft.com/office/officeart/2005/8/layout/list1" loCatId="list" qsTypeId="urn:microsoft.com/office/officeart/2005/8/quickstyle/simple1" qsCatId="simple" csTypeId="urn:microsoft.com/office/officeart/2005/8/colors/colorful5" csCatId="colorful"/>
+      <dgm:prSet loTypeId="urn:microsoft.com/office/officeart/2005/8/layout/list1" loCatId="list" qsTypeId="urn:microsoft.com/office/officeart/2005/8/quickstyle/simple1" qsCatId="simple" csTypeId="urn:microsoft.com/office/officeart/2005/8/colors/colorful5" csCatId="colorful" phldr="1"/>
       <dgm:spPr/>
       <dgm:t>
         <a:bodyPr/>
@@ -2359,10 +2359,10 @@
         <a:lstStyle/>
         <a:p>
           <a:r>
-            <a:rPr lang="pt-BR"/>
-            <a:t>Insertion sort</a:t>
+            <a:rPr lang="pt-BR" dirty="0"/>
+            <a:t>Busca binaria</a:t>
           </a:r>
-          <a:endParaRPr lang="en-US"/>
+          <a:endParaRPr lang="en-US" dirty="0"/>
         </a:p>
       </dgm:t>
     </dgm:pt>
@@ -2396,10 +2396,22 @@
         <a:lstStyle/>
         <a:p>
           <a:r>
-            <a:rPr lang="pt-BR"/>
-            <a:t>Busca binaria</a:t>
+            <a:rPr lang="pt-BR" dirty="0" err="1"/>
+            <a:t>Insertion</a:t>
           </a:r>
-          <a:endParaRPr lang="en-US"/>
+          <a:r>
+            <a:rPr lang="pt-BR" dirty="0"/>
+            <a:t> </a:t>
+          </a:r>
+          <a:r>
+            <a:rPr lang="pt-BR" dirty="0" err="1"/>
+            <a:t>sort</a:t>
+          </a:r>
+          <a:r>
+            <a:rPr lang="pt-BR" dirty="0"/>
+            <a:t> </a:t>
+          </a:r>
+          <a:endParaRPr lang="en-US" dirty="0"/>
         </a:p>
       </dgm:t>
     </dgm:pt>
@@ -3435,10 +3447,10 @@
             <a:buNone/>
           </a:pPr>
           <a:r>
-            <a:rPr lang="pt-BR" sz="4200" kern="1200"/>
-            <a:t>Insertion sort</a:t>
+            <a:rPr lang="pt-BR" sz="4200" kern="1200" dirty="0"/>
+            <a:t>Busca binaria</a:t>
           </a:r>
-          <a:endParaRPr lang="en-US" sz="4200" kern="1200"/>
+          <a:endParaRPr lang="en-US" sz="4200" kern="1200" dirty="0"/>
         </a:p>
       </dsp:txBody>
       <dsp:txXfrm>
@@ -3563,10 +3575,22 @@
             <a:buNone/>
           </a:pPr>
           <a:r>
-            <a:rPr lang="pt-BR" sz="4200" kern="1200"/>
-            <a:t>Busca binaria</a:t>
+            <a:rPr lang="pt-BR" sz="4200" kern="1200" dirty="0" err="1"/>
+            <a:t>Insertion</a:t>
           </a:r>
-          <a:endParaRPr lang="en-US" sz="4200" kern="1200"/>
+          <a:r>
+            <a:rPr lang="pt-BR" sz="4200" kern="1200" dirty="0"/>
+            <a:t> </a:t>
+          </a:r>
+          <a:r>
+            <a:rPr lang="pt-BR" sz="4200" kern="1200" dirty="0" err="1"/>
+            <a:t>sort</a:t>
+          </a:r>
+          <a:r>
+            <a:rPr lang="pt-BR" sz="4200" kern="1200" dirty="0"/>
+            <a:t> </a:t>
+          </a:r>
+          <a:endParaRPr lang="en-US" sz="4200" kern="1200" dirty="0"/>
         </a:p>
       </dsp:txBody>
       <dsp:txXfrm>
@@ -6230,7 +6254,7 @@
           <a:p>
             <a:fld id="{A52CD36C-FFFC-45D1-A09B-F3EE7A585A1E}" type="datetimeFigureOut">
               <a:rPr lang="pt-BR" smtClean="0"/>
-              <a:t>16/06/2024</a:t>
+              <a:t>17/06/2024</a:t>
             </a:fld>
             <a:endParaRPr lang="pt-BR"/>
           </a:p>
@@ -6428,7 +6452,7 @@
           <a:p>
             <a:fld id="{A52CD36C-FFFC-45D1-A09B-F3EE7A585A1E}" type="datetimeFigureOut">
               <a:rPr lang="pt-BR" smtClean="0"/>
-              <a:t>16/06/2024</a:t>
+              <a:t>17/06/2024</a:t>
             </a:fld>
             <a:endParaRPr lang="pt-BR"/>
           </a:p>
@@ -6636,7 +6660,7 @@
           <a:p>
             <a:fld id="{A52CD36C-FFFC-45D1-A09B-F3EE7A585A1E}" type="datetimeFigureOut">
               <a:rPr lang="pt-BR" smtClean="0"/>
-              <a:t>16/06/2024</a:t>
+              <a:t>17/06/2024</a:t>
             </a:fld>
             <a:endParaRPr lang="pt-BR"/>
           </a:p>
@@ -6834,7 +6858,7 @@
           <a:p>
             <a:fld id="{A52CD36C-FFFC-45D1-A09B-F3EE7A585A1E}" type="datetimeFigureOut">
               <a:rPr lang="pt-BR" smtClean="0"/>
-              <a:t>16/06/2024</a:t>
+              <a:t>17/06/2024</a:t>
             </a:fld>
             <a:endParaRPr lang="pt-BR"/>
           </a:p>
@@ -7109,7 +7133,7 @@
           <a:p>
             <a:fld id="{A52CD36C-FFFC-45D1-A09B-F3EE7A585A1E}" type="datetimeFigureOut">
               <a:rPr lang="pt-BR" smtClean="0"/>
-              <a:t>16/06/2024</a:t>
+              <a:t>17/06/2024</a:t>
             </a:fld>
             <a:endParaRPr lang="pt-BR"/>
           </a:p>
@@ -7374,7 +7398,7 @@
           <a:p>
             <a:fld id="{A52CD36C-FFFC-45D1-A09B-F3EE7A585A1E}" type="datetimeFigureOut">
               <a:rPr lang="pt-BR" smtClean="0"/>
-              <a:t>16/06/2024</a:t>
+              <a:t>17/06/2024</a:t>
             </a:fld>
             <a:endParaRPr lang="pt-BR"/>
           </a:p>
@@ -7786,7 +7810,7 @@
           <a:p>
             <a:fld id="{A52CD36C-FFFC-45D1-A09B-F3EE7A585A1E}" type="datetimeFigureOut">
               <a:rPr lang="pt-BR" smtClean="0"/>
-              <a:t>16/06/2024</a:t>
+              <a:t>17/06/2024</a:t>
             </a:fld>
             <a:endParaRPr lang="pt-BR"/>
           </a:p>
@@ -7927,7 +7951,7 @@
           <a:p>
             <a:fld id="{A52CD36C-FFFC-45D1-A09B-F3EE7A585A1E}" type="datetimeFigureOut">
               <a:rPr lang="pt-BR" smtClean="0"/>
-              <a:t>16/06/2024</a:t>
+              <a:t>17/06/2024</a:t>
             </a:fld>
             <a:endParaRPr lang="pt-BR"/>
           </a:p>
@@ -8040,7 +8064,7 @@
           <a:p>
             <a:fld id="{A52CD36C-FFFC-45D1-A09B-F3EE7A585A1E}" type="datetimeFigureOut">
               <a:rPr lang="pt-BR" smtClean="0"/>
-              <a:t>16/06/2024</a:t>
+              <a:t>17/06/2024</a:t>
             </a:fld>
             <a:endParaRPr lang="pt-BR"/>
           </a:p>
@@ -8351,7 +8375,7 @@
           <a:p>
             <a:fld id="{A52CD36C-FFFC-45D1-A09B-F3EE7A585A1E}" type="datetimeFigureOut">
               <a:rPr lang="pt-BR" smtClean="0"/>
-              <a:t>16/06/2024</a:t>
+              <a:t>17/06/2024</a:t>
             </a:fld>
             <a:endParaRPr lang="pt-BR"/>
           </a:p>
@@ -8639,7 +8663,7 @@
           <a:p>
             <a:fld id="{A52CD36C-FFFC-45D1-A09B-F3EE7A585A1E}" type="datetimeFigureOut">
               <a:rPr lang="pt-BR" smtClean="0"/>
-              <a:t>16/06/2024</a:t>
+              <a:t>17/06/2024</a:t>
             </a:fld>
             <a:endParaRPr lang="pt-BR"/>
           </a:p>
@@ -8880,7 +8904,7 @@
           <a:p>
             <a:fld id="{A52CD36C-FFFC-45D1-A09B-F3EE7A585A1E}" type="datetimeFigureOut">
               <a:rPr lang="pt-BR" smtClean="0"/>
-              <a:t>16/06/2024</a:t>
+              <a:t>17/06/2024</a:t>
             </a:fld>
             <a:endParaRPr lang="pt-BR"/>
           </a:p>
@@ -14492,7 +14516,7 @@
             <p:ph idx="1"/>
             <p:extLst>
               <p:ext uri="{D42A27DB-BD31-4B8C-83A1-F6EECF244321}">
-                <p14:modId xmlns:p14="http://schemas.microsoft.com/office/powerpoint/2010/main" val="2491187573"/>
+                <p14:modId xmlns:p14="http://schemas.microsoft.com/office/powerpoint/2010/main" val="3355605023"/>
               </p:ext>
             </p:extLst>
           </p:nvPr>

--- a/Documentos/Apresentacao.pptx
+++ b/Documentos/Apresentacao.pptx
@@ -1795,6 +1795,753 @@
     <dgm:fillClrLst meth="repeat">
       <a:schemeClr val="accent5">
         <a:tint val="40000"/>
+      </a:schemeClr>
+    </dgm:fillClrLst>
+    <dgm:linClrLst meth="repeat">
+      <a:schemeClr val="lt1"/>
+    </dgm:linClrLst>
+    <dgm:effectClrLst/>
+    <dgm:txLinClrLst/>
+    <dgm:txFillClrLst meth="repeat">
+      <a:schemeClr val="dk1"/>
+    </dgm:txFillClrLst>
+    <dgm:txEffectClrLst/>
+  </dgm:styleLbl>
+  <dgm:styleLbl name="revTx">
+    <dgm:fillClrLst meth="repeat">
+      <a:schemeClr val="lt1">
+        <a:alpha val="0"/>
+      </a:schemeClr>
+    </dgm:fillClrLst>
+    <dgm:linClrLst meth="repeat">
+      <a:schemeClr val="dk1">
+        <a:alpha val="0"/>
+      </a:schemeClr>
+    </dgm:linClrLst>
+    <dgm:effectClrLst/>
+    <dgm:txLinClrLst/>
+    <dgm:txFillClrLst meth="repeat">
+      <a:schemeClr val="tx1"/>
+    </dgm:txFillClrLst>
+    <dgm:txEffectClrLst/>
+  </dgm:styleLbl>
+</dgm:colorsDef>
+</file>
+
+<file path=ppt/diagrams/colors3.xml><?xml version="1.0" encoding="utf-8"?>
+<dgm:colorsDef xmlns:dgm="http://schemas.openxmlformats.org/drawingml/2006/diagram" xmlns:a="http://schemas.openxmlformats.org/drawingml/2006/main" uniqueId="urn:microsoft.com/office/officeart/2005/8/colors/accent1_2">
+  <dgm:title val=""/>
+  <dgm:desc val=""/>
+  <dgm:catLst>
+    <dgm:cat type="accent1" pri="11200"/>
+  </dgm:catLst>
+  <dgm:styleLbl name="node0">
+    <dgm:fillClrLst meth="repeat">
+      <a:schemeClr val="accent1"/>
+    </dgm:fillClrLst>
+    <dgm:linClrLst meth="repeat">
+      <a:schemeClr val="lt1"/>
+    </dgm:linClrLst>
+    <dgm:effectClrLst/>
+    <dgm:txLinClrLst/>
+    <dgm:txFillClrLst/>
+    <dgm:txEffectClrLst/>
+  </dgm:styleLbl>
+  <dgm:styleLbl name="alignNode1">
+    <dgm:fillClrLst meth="repeat">
+      <a:schemeClr val="accent1"/>
+    </dgm:fillClrLst>
+    <dgm:linClrLst meth="repeat">
+      <a:schemeClr val="accent1"/>
+    </dgm:linClrLst>
+    <dgm:effectClrLst/>
+    <dgm:txLinClrLst/>
+    <dgm:txFillClrLst/>
+    <dgm:txEffectClrLst/>
+  </dgm:styleLbl>
+  <dgm:styleLbl name="node1">
+    <dgm:fillClrLst meth="repeat">
+      <a:schemeClr val="accent1"/>
+    </dgm:fillClrLst>
+    <dgm:linClrLst meth="repeat">
+      <a:schemeClr val="lt1"/>
+    </dgm:linClrLst>
+    <dgm:effectClrLst/>
+    <dgm:txLinClrLst/>
+    <dgm:txFillClrLst/>
+    <dgm:txEffectClrLst/>
+  </dgm:styleLbl>
+  <dgm:styleLbl name="lnNode1">
+    <dgm:fillClrLst meth="repeat">
+      <a:schemeClr val="accent1"/>
+    </dgm:fillClrLst>
+    <dgm:linClrLst meth="repeat">
+      <a:schemeClr val="lt1"/>
+    </dgm:linClrLst>
+    <dgm:effectClrLst/>
+    <dgm:txLinClrLst/>
+    <dgm:txFillClrLst/>
+    <dgm:txEffectClrLst/>
+  </dgm:styleLbl>
+  <dgm:styleLbl name="vennNode1">
+    <dgm:fillClrLst meth="repeat">
+      <a:schemeClr val="accent1">
+        <a:alpha val="50000"/>
+      </a:schemeClr>
+    </dgm:fillClrLst>
+    <dgm:linClrLst meth="repeat">
+      <a:schemeClr val="lt1"/>
+    </dgm:linClrLst>
+    <dgm:effectClrLst/>
+    <dgm:txLinClrLst/>
+    <dgm:txFillClrLst/>
+    <dgm:txEffectClrLst/>
+  </dgm:styleLbl>
+  <dgm:styleLbl name="node2">
+    <dgm:fillClrLst meth="repeat">
+      <a:schemeClr val="accent1"/>
+    </dgm:fillClrLst>
+    <dgm:linClrLst meth="repeat">
+      <a:schemeClr val="lt1"/>
+    </dgm:linClrLst>
+    <dgm:effectClrLst/>
+    <dgm:txLinClrLst/>
+    <dgm:txFillClrLst/>
+    <dgm:txEffectClrLst/>
+  </dgm:styleLbl>
+  <dgm:styleLbl name="node3">
+    <dgm:fillClrLst meth="repeat">
+      <a:schemeClr val="accent1"/>
+    </dgm:fillClrLst>
+    <dgm:linClrLst meth="repeat">
+      <a:schemeClr val="lt1"/>
+    </dgm:linClrLst>
+    <dgm:effectClrLst/>
+    <dgm:txLinClrLst/>
+    <dgm:txFillClrLst/>
+    <dgm:txEffectClrLst/>
+  </dgm:styleLbl>
+  <dgm:styleLbl name="node4">
+    <dgm:fillClrLst meth="repeat">
+      <a:schemeClr val="accent1"/>
+    </dgm:fillClrLst>
+    <dgm:linClrLst meth="repeat">
+      <a:schemeClr val="lt1"/>
+    </dgm:linClrLst>
+    <dgm:effectClrLst/>
+    <dgm:txLinClrLst/>
+    <dgm:txFillClrLst/>
+    <dgm:txEffectClrLst/>
+  </dgm:styleLbl>
+  <dgm:styleLbl name="fgImgPlace1">
+    <dgm:fillClrLst meth="repeat">
+      <a:schemeClr val="accent1">
+        <a:tint val="50000"/>
+      </a:schemeClr>
+    </dgm:fillClrLst>
+    <dgm:linClrLst meth="repeat">
+      <a:schemeClr val="lt1"/>
+    </dgm:linClrLst>
+    <dgm:effectClrLst/>
+    <dgm:txLinClrLst/>
+    <dgm:txFillClrLst meth="repeat">
+      <a:schemeClr val="lt1"/>
+    </dgm:txFillClrLst>
+    <dgm:txEffectClrLst/>
+  </dgm:styleLbl>
+  <dgm:styleLbl name="alignImgPlace1">
+    <dgm:fillClrLst meth="repeat">
+      <a:schemeClr val="accent1">
+        <a:tint val="50000"/>
+      </a:schemeClr>
+    </dgm:fillClrLst>
+    <dgm:linClrLst meth="repeat">
+      <a:schemeClr val="lt1"/>
+    </dgm:linClrLst>
+    <dgm:effectClrLst/>
+    <dgm:txLinClrLst/>
+    <dgm:txFillClrLst meth="repeat">
+      <a:schemeClr val="lt1"/>
+    </dgm:txFillClrLst>
+    <dgm:txEffectClrLst/>
+  </dgm:styleLbl>
+  <dgm:styleLbl name="bgImgPlace1">
+    <dgm:fillClrLst meth="repeat">
+      <a:schemeClr val="accent1">
+        <a:tint val="50000"/>
+      </a:schemeClr>
+    </dgm:fillClrLst>
+    <dgm:linClrLst meth="repeat">
+      <a:schemeClr val="lt1"/>
+    </dgm:linClrLst>
+    <dgm:effectClrLst/>
+    <dgm:txLinClrLst/>
+    <dgm:txFillClrLst meth="repeat">
+      <a:schemeClr val="lt1"/>
+    </dgm:txFillClrLst>
+    <dgm:txEffectClrLst/>
+  </dgm:styleLbl>
+  <dgm:styleLbl name="sibTrans2D1">
+    <dgm:fillClrLst meth="repeat">
+      <a:schemeClr val="accent1">
+        <a:tint val="60000"/>
+      </a:schemeClr>
+    </dgm:fillClrLst>
+    <dgm:linClrLst meth="repeat">
+      <a:schemeClr val="accent1">
+        <a:tint val="60000"/>
+      </a:schemeClr>
+    </dgm:linClrLst>
+    <dgm:effectClrLst/>
+    <dgm:txLinClrLst/>
+    <dgm:txFillClrLst/>
+    <dgm:txEffectClrLst/>
+  </dgm:styleLbl>
+  <dgm:styleLbl name="fgSibTrans2D1">
+    <dgm:fillClrLst meth="repeat">
+      <a:schemeClr val="accent1">
+        <a:tint val="60000"/>
+      </a:schemeClr>
+    </dgm:fillClrLst>
+    <dgm:linClrLst meth="repeat">
+      <a:schemeClr val="accent1">
+        <a:tint val="60000"/>
+      </a:schemeClr>
+    </dgm:linClrLst>
+    <dgm:effectClrLst/>
+    <dgm:txLinClrLst/>
+    <dgm:txFillClrLst/>
+    <dgm:txEffectClrLst/>
+  </dgm:styleLbl>
+  <dgm:styleLbl name="bgSibTrans2D1">
+    <dgm:fillClrLst meth="repeat">
+      <a:schemeClr val="accent1">
+        <a:tint val="60000"/>
+      </a:schemeClr>
+    </dgm:fillClrLst>
+    <dgm:linClrLst meth="repeat">
+      <a:schemeClr val="accent1">
+        <a:tint val="60000"/>
+      </a:schemeClr>
+    </dgm:linClrLst>
+    <dgm:effectClrLst/>
+    <dgm:txLinClrLst/>
+    <dgm:txFillClrLst/>
+    <dgm:txEffectClrLst/>
+  </dgm:styleLbl>
+  <dgm:styleLbl name="sibTrans1D1">
+    <dgm:fillClrLst meth="repeat">
+      <a:schemeClr val="accent1"/>
+    </dgm:fillClrLst>
+    <dgm:linClrLst meth="repeat">
+      <a:schemeClr val="accent1"/>
+    </dgm:linClrLst>
+    <dgm:effectClrLst/>
+    <dgm:txLinClrLst/>
+    <dgm:txFillClrLst meth="repeat">
+      <a:schemeClr val="tx1"/>
+    </dgm:txFillClrLst>
+    <dgm:txEffectClrLst/>
+  </dgm:styleLbl>
+  <dgm:styleLbl name="callout">
+    <dgm:fillClrLst meth="repeat">
+      <a:schemeClr val="accent1"/>
+    </dgm:fillClrLst>
+    <dgm:linClrLst meth="repeat">
+      <a:schemeClr val="accent1">
+        <a:tint val="50000"/>
+      </a:schemeClr>
+    </dgm:linClrLst>
+    <dgm:effectClrLst/>
+    <dgm:txLinClrLst/>
+    <dgm:txFillClrLst meth="repeat">
+      <a:schemeClr val="tx1"/>
+    </dgm:txFillClrLst>
+    <dgm:txEffectClrLst/>
+  </dgm:styleLbl>
+  <dgm:styleLbl name="asst0">
+    <dgm:fillClrLst meth="repeat">
+      <a:schemeClr val="accent1"/>
+    </dgm:fillClrLst>
+    <dgm:linClrLst meth="repeat">
+      <a:schemeClr val="lt1"/>
+    </dgm:linClrLst>
+    <dgm:effectClrLst/>
+    <dgm:txLinClrLst/>
+    <dgm:txFillClrLst/>
+    <dgm:txEffectClrLst/>
+  </dgm:styleLbl>
+  <dgm:styleLbl name="asst1">
+    <dgm:fillClrLst meth="repeat">
+      <a:schemeClr val="accent1"/>
+    </dgm:fillClrLst>
+    <dgm:linClrLst meth="repeat">
+      <a:schemeClr val="lt1"/>
+    </dgm:linClrLst>
+    <dgm:effectClrLst/>
+    <dgm:txLinClrLst/>
+    <dgm:txFillClrLst/>
+    <dgm:txEffectClrLst/>
+  </dgm:styleLbl>
+  <dgm:styleLbl name="asst2">
+    <dgm:fillClrLst meth="repeat">
+      <a:schemeClr val="accent1"/>
+    </dgm:fillClrLst>
+    <dgm:linClrLst meth="repeat">
+      <a:schemeClr val="lt1"/>
+    </dgm:linClrLst>
+    <dgm:effectClrLst/>
+    <dgm:txLinClrLst/>
+    <dgm:txFillClrLst/>
+    <dgm:txEffectClrLst/>
+  </dgm:styleLbl>
+  <dgm:styleLbl name="asst3">
+    <dgm:fillClrLst meth="repeat">
+      <a:schemeClr val="accent1"/>
+    </dgm:fillClrLst>
+    <dgm:linClrLst meth="repeat">
+      <a:schemeClr val="lt1"/>
+    </dgm:linClrLst>
+    <dgm:effectClrLst/>
+    <dgm:txLinClrLst/>
+    <dgm:txFillClrLst/>
+    <dgm:txEffectClrLst/>
+  </dgm:styleLbl>
+  <dgm:styleLbl name="asst4">
+    <dgm:fillClrLst meth="repeat">
+      <a:schemeClr val="accent1"/>
+    </dgm:fillClrLst>
+    <dgm:linClrLst meth="repeat">
+      <a:schemeClr val="lt1"/>
+    </dgm:linClrLst>
+    <dgm:effectClrLst/>
+    <dgm:txLinClrLst/>
+    <dgm:txFillClrLst/>
+    <dgm:txEffectClrLst/>
+  </dgm:styleLbl>
+  <dgm:styleLbl name="parChTrans2D1">
+    <dgm:fillClrLst meth="repeat">
+      <a:schemeClr val="accent1">
+        <a:tint val="60000"/>
+      </a:schemeClr>
+    </dgm:fillClrLst>
+    <dgm:linClrLst meth="repeat">
+      <a:schemeClr val="accent1">
+        <a:tint val="60000"/>
+      </a:schemeClr>
+    </dgm:linClrLst>
+    <dgm:effectClrLst/>
+    <dgm:txLinClrLst/>
+    <dgm:txFillClrLst meth="repeat">
+      <a:schemeClr val="lt1"/>
+    </dgm:txFillClrLst>
+    <dgm:txEffectClrLst/>
+  </dgm:styleLbl>
+  <dgm:styleLbl name="parChTrans2D2">
+    <dgm:fillClrLst meth="repeat">
+      <a:schemeClr val="accent1"/>
+    </dgm:fillClrLst>
+    <dgm:linClrLst meth="repeat">
+      <a:schemeClr val="accent1"/>
+    </dgm:linClrLst>
+    <dgm:effectClrLst/>
+    <dgm:txLinClrLst/>
+    <dgm:txFillClrLst meth="repeat">
+      <a:schemeClr val="lt1"/>
+    </dgm:txFillClrLst>
+    <dgm:txEffectClrLst/>
+  </dgm:styleLbl>
+  <dgm:styleLbl name="parChTrans2D3">
+    <dgm:fillClrLst meth="repeat">
+      <a:schemeClr val="accent1"/>
+    </dgm:fillClrLst>
+    <dgm:linClrLst meth="repeat">
+      <a:schemeClr val="accent1"/>
+    </dgm:linClrLst>
+    <dgm:effectClrLst/>
+    <dgm:txLinClrLst/>
+    <dgm:txFillClrLst meth="repeat">
+      <a:schemeClr val="lt1"/>
+    </dgm:txFillClrLst>
+    <dgm:txEffectClrLst/>
+  </dgm:styleLbl>
+  <dgm:styleLbl name="parChTrans2D4">
+    <dgm:fillClrLst meth="repeat">
+      <a:schemeClr val="accent1"/>
+    </dgm:fillClrLst>
+    <dgm:linClrLst meth="repeat">
+      <a:schemeClr val="accent1"/>
+    </dgm:linClrLst>
+    <dgm:effectClrLst/>
+    <dgm:txLinClrLst/>
+    <dgm:txFillClrLst meth="repeat">
+      <a:schemeClr val="lt1"/>
+    </dgm:txFillClrLst>
+    <dgm:txEffectClrLst/>
+  </dgm:styleLbl>
+  <dgm:styleLbl name="parChTrans1D1">
+    <dgm:fillClrLst meth="repeat">
+      <a:schemeClr val="accent1"/>
+    </dgm:fillClrLst>
+    <dgm:linClrLst meth="repeat">
+      <a:schemeClr val="accent1">
+        <a:shade val="60000"/>
+      </a:schemeClr>
+    </dgm:linClrLst>
+    <dgm:effectClrLst/>
+    <dgm:txLinClrLst/>
+    <dgm:txFillClrLst meth="repeat">
+      <a:schemeClr val="tx1"/>
+    </dgm:txFillClrLst>
+    <dgm:txEffectClrLst/>
+  </dgm:styleLbl>
+  <dgm:styleLbl name="parChTrans1D2">
+    <dgm:fillClrLst meth="repeat">
+      <a:schemeClr val="accent1"/>
+    </dgm:fillClrLst>
+    <dgm:linClrLst meth="repeat">
+      <a:schemeClr val="accent1">
+        <a:shade val="60000"/>
+      </a:schemeClr>
+    </dgm:linClrLst>
+    <dgm:effectClrLst/>
+    <dgm:txLinClrLst/>
+    <dgm:txFillClrLst meth="repeat">
+      <a:schemeClr val="tx1"/>
+    </dgm:txFillClrLst>
+    <dgm:txEffectClrLst/>
+  </dgm:styleLbl>
+  <dgm:styleLbl name="parChTrans1D3">
+    <dgm:fillClrLst meth="repeat">
+      <a:schemeClr val="accent1"/>
+    </dgm:fillClrLst>
+    <dgm:linClrLst meth="repeat">
+      <a:schemeClr val="accent1">
+        <a:shade val="80000"/>
+      </a:schemeClr>
+    </dgm:linClrLst>
+    <dgm:effectClrLst/>
+    <dgm:txLinClrLst/>
+    <dgm:txFillClrLst meth="repeat">
+      <a:schemeClr val="tx1"/>
+    </dgm:txFillClrLst>
+    <dgm:txEffectClrLst/>
+  </dgm:styleLbl>
+  <dgm:styleLbl name="parChTrans1D4">
+    <dgm:fillClrLst meth="repeat">
+      <a:schemeClr val="accent1"/>
+    </dgm:fillClrLst>
+    <dgm:linClrLst meth="repeat">
+      <a:schemeClr val="accent1">
+        <a:shade val="80000"/>
+      </a:schemeClr>
+    </dgm:linClrLst>
+    <dgm:effectClrLst/>
+    <dgm:txLinClrLst/>
+    <dgm:txFillClrLst meth="repeat">
+      <a:schemeClr val="tx1"/>
+    </dgm:txFillClrLst>
+    <dgm:txEffectClrLst/>
+  </dgm:styleLbl>
+  <dgm:styleLbl name="fgAcc1">
+    <dgm:fillClrLst meth="repeat">
+      <a:schemeClr val="lt1">
+        <a:alpha val="90000"/>
+      </a:schemeClr>
+    </dgm:fillClrLst>
+    <dgm:linClrLst meth="repeat">
+      <a:schemeClr val="accent1"/>
+    </dgm:linClrLst>
+    <dgm:effectClrLst/>
+    <dgm:txLinClrLst/>
+    <dgm:txFillClrLst meth="repeat">
+      <a:schemeClr val="dk1"/>
+    </dgm:txFillClrLst>
+    <dgm:txEffectClrLst/>
+  </dgm:styleLbl>
+  <dgm:styleLbl name="conFgAcc1">
+    <dgm:fillClrLst meth="repeat">
+      <a:schemeClr val="lt1">
+        <a:alpha val="90000"/>
+      </a:schemeClr>
+    </dgm:fillClrLst>
+    <dgm:linClrLst meth="repeat">
+      <a:schemeClr val="accent1"/>
+    </dgm:linClrLst>
+    <dgm:effectClrLst/>
+    <dgm:txLinClrLst/>
+    <dgm:txFillClrLst meth="repeat">
+      <a:schemeClr val="dk1"/>
+    </dgm:txFillClrLst>
+    <dgm:txEffectClrLst/>
+  </dgm:styleLbl>
+  <dgm:styleLbl name="alignAcc1">
+    <dgm:fillClrLst meth="repeat">
+      <a:schemeClr val="lt1">
+        <a:alpha val="90000"/>
+      </a:schemeClr>
+    </dgm:fillClrLst>
+    <dgm:linClrLst meth="repeat">
+      <a:schemeClr val="accent1"/>
+    </dgm:linClrLst>
+    <dgm:effectClrLst/>
+    <dgm:txLinClrLst/>
+    <dgm:txFillClrLst meth="repeat">
+      <a:schemeClr val="dk1"/>
+    </dgm:txFillClrLst>
+    <dgm:txEffectClrLst/>
+  </dgm:styleLbl>
+  <dgm:styleLbl name="trAlignAcc1">
+    <dgm:fillClrLst meth="repeat">
+      <a:schemeClr val="lt1">
+        <a:alpha val="40000"/>
+      </a:schemeClr>
+    </dgm:fillClrLst>
+    <dgm:linClrLst meth="repeat">
+      <a:schemeClr val="accent1"/>
+    </dgm:linClrLst>
+    <dgm:effectClrLst/>
+    <dgm:txLinClrLst/>
+    <dgm:txFillClrLst meth="repeat">
+      <a:schemeClr val="dk1"/>
+    </dgm:txFillClrLst>
+    <dgm:txEffectClrLst/>
+  </dgm:styleLbl>
+  <dgm:styleLbl name="bgAcc1">
+    <dgm:fillClrLst meth="repeat">
+      <a:schemeClr val="lt1">
+        <a:alpha val="90000"/>
+      </a:schemeClr>
+    </dgm:fillClrLst>
+    <dgm:linClrLst meth="repeat">
+      <a:schemeClr val="accent1"/>
+    </dgm:linClrLst>
+    <dgm:effectClrLst/>
+    <dgm:txLinClrLst/>
+    <dgm:txFillClrLst meth="repeat">
+      <a:schemeClr val="dk1"/>
+    </dgm:txFillClrLst>
+    <dgm:txEffectClrLst/>
+  </dgm:styleLbl>
+  <dgm:styleLbl name="solidFgAcc1">
+    <dgm:fillClrLst meth="repeat">
+      <a:schemeClr val="lt1"/>
+    </dgm:fillClrLst>
+    <dgm:linClrLst meth="repeat">
+      <a:schemeClr val="accent1"/>
+    </dgm:linClrLst>
+    <dgm:effectClrLst/>
+    <dgm:txLinClrLst/>
+    <dgm:txFillClrLst meth="repeat">
+      <a:schemeClr val="dk1"/>
+    </dgm:txFillClrLst>
+    <dgm:txEffectClrLst/>
+  </dgm:styleLbl>
+  <dgm:styleLbl name="solidAlignAcc1">
+    <dgm:fillClrLst meth="repeat">
+      <a:schemeClr val="lt1"/>
+    </dgm:fillClrLst>
+    <dgm:linClrLst meth="repeat">
+      <a:schemeClr val="accent1"/>
+    </dgm:linClrLst>
+    <dgm:effectClrLst/>
+    <dgm:txLinClrLst/>
+    <dgm:txFillClrLst meth="repeat">
+      <a:schemeClr val="dk1"/>
+    </dgm:txFillClrLst>
+    <dgm:txEffectClrLst/>
+  </dgm:styleLbl>
+  <dgm:styleLbl name="solidBgAcc1">
+    <dgm:fillClrLst meth="repeat">
+      <a:schemeClr val="lt1"/>
+    </dgm:fillClrLst>
+    <dgm:linClrLst meth="repeat">
+      <a:schemeClr val="accent1"/>
+    </dgm:linClrLst>
+    <dgm:effectClrLst/>
+    <dgm:txLinClrLst/>
+    <dgm:txFillClrLst meth="repeat">
+      <a:schemeClr val="dk1"/>
+    </dgm:txFillClrLst>
+    <dgm:txEffectClrLst/>
+  </dgm:styleLbl>
+  <dgm:styleLbl name="fgAccFollowNode1">
+    <dgm:fillClrLst meth="repeat">
+      <a:schemeClr val="accent1">
+        <a:alpha val="90000"/>
+        <a:tint val="40000"/>
+      </a:schemeClr>
+    </dgm:fillClrLst>
+    <dgm:linClrLst meth="repeat">
+      <a:schemeClr val="accent1">
+        <a:alpha val="90000"/>
+        <a:tint val="40000"/>
+      </a:schemeClr>
+    </dgm:linClrLst>
+    <dgm:effectClrLst/>
+    <dgm:txLinClrLst/>
+    <dgm:txFillClrLst meth="repeat">
+      <a:schemeClr val="dk1"/>
+    </dgm:txFillClrLst>
+    <dgm:txEffectClrLst/>
+  </dgm:styleLbl>
+  <dgm:styleLbl name="alignAccFollowNode1">
+    <dgm:fillClrLst meth="repeat">
+      <a:schemeClr val="accent1">
+        <a:alpha val="90000"/>
+        <a:tint val="40000"/>
+      </a:schemeClr>
+    </dgm:fillClrLst>
+    <dgm:linClrLst meth="repeat">
+      <a:schemeClr val="accent1">
+        <a:alpha val="90000"/>
+        <a:tint val="40000"/>
+      </a:schemeClr>
+    </dgm:linClrLst>
+    <dgm:effectClrLst/>
+    <dgm:txLinClrLst/>
+    <dgm:txFillClrLst meth="repeat">
+      <a:schemeClr val="dk1"/>
+    </dgm:txFillClrLst>
+    <dgm:txEffectClrLst/>
+  </dgm:styleLbl>
+  <dgm:styleLbl name="bgAccFollowNode1">
+    <dgm:fillClrLst meth="repeat">
+      <a:schemeClr val="accent1">
+        <a:alpha val="90000"/>
+        <a:tint val="40000"/>
+      </a:schemeClr>
+    </dgm:fillClrLst>
+    <dgm:linClrLst meth="repeat">
+      <a:schemeClr val="accent1">
+        <a:alpha val="90000"/>
+        <a:tint val="40000"/>
+      </a:schemeClr>
+    </dgm:linClrLst>
+    <dgm:effectClrLst/>
+    <dgm:txLinClrLst/>
+    <dgm:txFillClrLst meth="repeat">
+      <a:schemeClr val="dk1"/>
+    </dgm:txFillClrLst>
+    <dgm:txEffectClrLst/>
+  </dgm:styleLbl>
+  <dgm:styleLbl name="fgAcc0">
+    <dgm:fillClrLst meth="repeat">
+      <a:schemeClr val="lt1">
+        <a:alpha val="90000"/>
+      </a:schemeClr>
+    </dgm:fillClrLst>
+    <dgm:linClrLst meth="repeat">
+      <a:schemeClr val="accent1"/>
+    </dgm:linClrLst>
+    <dgm:effectClrLst/>
+    <dgm:txLinClrLst/>
+    <dgm:txFillClrLst meth="repeat">
+      <a:schemeClr val="dk1"/>
+    </dgm:txFillClrLst>
+    <dgm:txEffectClrLst/>
+  </dgm:styleLbl>
+  <dgm:styleLbl name="fgAcc2">
+    <dgm:fillClrLst meth="repeat">
+      <a:schemeClr val="lt1">
+        <a:alpha val="90000"/>
+      </a:schemeClr>
+    </dgm:fillClrLst>
+    <dgm:linClrLst meth="repeat">
+      <a:schemeClr val="accent1"/>
+    </dgm:linClrLst>
+    <dgm:effectClrLst/>
+    <dgm:txLinClrLst/>
+    <dgm:txFillClrLst meth="repeat">
+      <a:schemeClr val="dk1"/>
+    </dgm:txFillClrLst>
+    <dgm:txEffectClrLst/>
+  </dgm:styleLbl>
+  <dgm:styleLbl name="fgAcc3">
+    <dgm:fillClrLst meth="repeat">
+      <a:schemeClr val="lt1">
+        <a:alpha val="90000"/>
+      </a:schemeClr>
+    </dgm:fillClrLst>
+    <dgm:linClrLst meth="repeat">
+      <a:schemeClr val="accent1"/>
+    </dgm:linClrLst>
+    <dgm:effectClrLst/>
+    <dgm:txLinClrLst/>
+    <dgm:txFillClrLst meth="repeat">
+      <a:schemeClr val="dk1"/>
+    </dgm:txFillClrLst>
+    <dgm:txEffectClrLst/>
+  </dgm:styleLbl>
+  <dgm:styleLbl name="fgAcc4">
+    <dgm:fillClrLst meth="repeat">
+      <a:schemeClr val="lt1">
+        <a:alpha val="90000"/>
+      </a:schemeClr>
+    </dgm:fillClrLst>
+    <dgm:linClrLst meth="repeat">
+      <a:schemeClr val="accent1"/>
+    </dgm:linClrLst>
+    <dgm:effectClrLst/>
+    <dgm:txLinClrLst/>
+    <dgm:txFillClrLst meth="repeat">
+      <a:schemeClr val="dk1"/>
+    </dgm:txFillClrLst>
+    <dgm:txEffectClrLst/>
+  </dgm:styleLbl>
+  <dgm:styleLbl name="bgShp">
+    <dgm:fillClrLst meth="repeat">
+      <a:schemeClr val="accent1">
+        <a:tint val="40000"/>
+      </a:schemeClr>
+    </dgm:fillClrLst>
+    <dgm:linClrLst meth="repeat">
+      <a:schemeClr val="accent1"/>
+    </dgm:linClrLst>
+    <dgm:effectClrLst/>
+    <dgm:txLinClrLst/>
+    <dgm:txFillClrLst meth="repeat">
+      <a:schemeClr val="dk1"/>
+    </dgm:txFillClrLst>
+    <dgm:txEffectClrLst/>
+  </dgm:styleLbl>
+  <dgm:styleLbl name="dkBgShp">
+    <dgm:fillClrLst meth="repeat">
+      <a:schemeClr val="accent1">
+        <a:shade val="80000"/>
+      </a:schemeClr>
+    </dgm:fillClrLst>
+    <dgm:linClrLst meth="repeat">
+      <a:schemeClr val="accent1"/>
+    </dgm:linClrLst>
+    <dgm:effectClrLst/>
+    <dgm:txLinClrLst/>
+    <dgm:txFillClrLst meth="repeat">
+      <a:schemeClr val="lt1"/>
+    </dgm:txFillClrLst>
+    <dgm:txEffectClrLst/>
+  </dgm:styleLbl>
+  <dgm:styleLbl name="trBgShp">
+    <dgm:fillClrLst meth="repeat">
+      <a:schemeClr val="accent1">
+        <a:tint val="50000"/>
+        <a:alpha val="40000"/>
+      </a:schemeClr>
+    </dgm:fillClrLst>
+    <dgm:linClrLst meth="repeat">
+      <a:schemeClr val="accent1"/>
+    </dgm:linClrLst>
+    <dgm:effectClrLst/>
+    <dgm:txLinClrLst/>
+    <dgm:txFillClrLst meth="repeat">
+      <a:schemeClr val="lt1"/>
+    </dgm:txFillClrLst>
+    <dgm:txEffectClrLst/>
+  </dgm:styleLbl>
+  <dgm:styleLbl name="fgShp">
+    <dgm:fillClrLst meth="repeat">
+      <a:schemeClr val="accent1">
+        <a:tint val="60000"/>
       </a:schemeClr>
     </dgm:fillClrLst>
     <dgm:linClrLst meth="repeat">
@@ -2571,6 +3318,438 @@
     <dgm:cxn modelId="{4D13C9E9-4544-4155-B94D-33EBFC1103BA}" type="presParOf" srcId="{DA4E93A5-EF3F-456C-9695-AF9CB9E5D356}" destId="{3C23B3FA-6DDA-4E95-A750-14879CC19950}" srcOrd="1" destOrd="0" presId="urn:microsoft.com/office/officeart/2005/8/layout/list1"/>
     <dgm:cxn modelId="{C69A8BD3-C9B6-4859-B417-AF726FCBF31D}" type="presParOf" srcId="{EB18A663-2E0E-4F72-A74C-B6D22102965C}" destId="{E65F95CB-1104-45EE-9928-630CAB02AB94}" srcOrd="9" destOrd="0" presId="urn:microsoft.com/office/officeart/2005/8/layout/list1"/>
     <dgm:cxn modelId="{230B547B-ED2F-4BB9-BC4B-6C5853A12AFE}" type="presParOf" srcId="{EB18A663-2E0E-4F72-A74C-B6D22102965C}" destId="{3C976A90-C269-4367-81C0-449C72FD090E}" srcOrd="10" destOrd="0" presId="urn:microsoft.com/office/officeart/2005/8/layout/list1"/>
+  </dgm:cxnLst>
+  <dgm:bg/>
+  <dgm:whole/>
+  <dgm:extLst>
+    <a:ext uri="http://schemas.microsoft.com/office/drawing/2008/diagram">
+      <dsp:dataModelExt xmlns:dsp="http://schemas.microsoft.com/office/drawing/2008/diagram" relId="rId6" minVer="http://schemas.openxmlformats.org/drawingml/2006/diagram"/>
+    </a:ext>
+  </dgm:extLst>
+</dgm:dataModel>
+</file>
+
+<file path=ppt/diagrams/data3.xml><?xml version="1.0" encoding="utf-8"?>
+<dgm:dataModel xmlns:dgm="http://schemas.openxmlformats.org/drawingml/2006/diagram" xmlns:a="http://schemas.openxmlformats.org/drawingml/2006/main">
+  <dgm:ptLst>
+    <dgm:pt modelId="{05D422FF-6EC1-428B-9865-5290D92AD1A0}" type="doc">
+      <dgm:prSet loTypeId="urn:microsoft.com/office/officeart/2018/2/layout/IconVerticalSolidList" loCatId="icon" qsTypeId="urn:microsoft.com/office/officeart/2005/8/quickstyle/simple1" qsCatId="simple" csTypeId="urn:microsoft.com/office/officeart/2005/8/colors/accent1_2" csCatId="accent1" phldr="1"/>
+      <dgm:spPr/>
+      <dgm:t>
+        <a:bodyPr/>
+        <a:lstStyle/>
+        <a:p>
+          <a:endParaRPr lang="en-US"/>
+        </a:p>
+      </dgm:t>
+    </dgm:pt>
+    <dgm:pt modelId="{56C0B459-2AF9-4F29-93FD-C76345E872B2}">
+      <dgm:prSet/>
+      <dgm:spPr/>
+      <dgm:t>
+        <a:bodyPr/>
+        <a:lstStyle/>
+        <a:p>
+          <a:pPr>
+            <a:lnSpc>
+              <a:spcPct val="100000"/>
+            </a:lnSpc>
+          </a:pPr>
+          <a:r>
+            <a:rPr lang="pt-BR"/>
+            <a:t>Busca precisa</a:t>
+          </a:r>
+          <a:endParaRPr lang="en-US"/>
+        </a:p>
+      </dgm:t>
+    </dgm:pt>
+    <dgm:pt modelId="{F96EE5C3-CA4E-479A-BF6F-C1A9C8479FA9}" type="parTrans" cxnId="{494FCDEA-1308-4F79-967B-0A0000A50A3B}">
+      <dgm:prSet/>
+      <dgm:spPr/>
+      <dgm:t>
+        <a:bodyPr/>
+        <a:lstStyle/>
+        <a:p>
+          <a:endParaRPr lang="en-US"/>
+        </a:p>
+      </dgm:t>
+    </dgm:pt>
+    <dgm:pt modelId="{0E165534-7844-4187-BFEA-CE01EA4A9C13}" type="sibTrans" cxnId="{494FCDEA-1308-4F79-967B-0A0000A50A3B}">
+      <dgm:prSet/>
+      <dgm:spPr/>
+      <dgm:t>
+        <a:bodyPr/>
+        <a:lstStyle/>
+        <a:p>
+          <a:endParaRPr lang="en-US"/>
+        </a:p>
+      </dgm:t>
+    </dgm:pt>
+    <dgm:pt modelId="{2106A9C2-CEC0-4B8C-B66C-501EF8DA4D15}">
+      <dgm:prSet/>
+      <dgm:spPr/>
+      <dgm:t>
+        <a:bodyPr/>
+        <a:lstStyle/>
+        <a:p>
+          <a:pPr>
+            <a:lnSpc>
+              <a:spcPct val="100000"/>
+            </a:lnSpc>
+          </a:pPr>
+          <a:r>
+            <a:rPr lang="pt-BR"/>
+            <a:t>Velocidade da busca</a:t>
+          </a:r>
+          <a:endParaRPr lang="en-US"/>
+        </a:p>
+      </dgm:t>
+    </dgm:pt>
+    <dgm:pt modelId="{D174CAEF-A658-4B4B-9145-50494373364D}" type="parTrans" cxnId="{6428AC01-EACE-405B-ABBF-2A62BC113B88}">
+      <dgm:prSet/>
+      <dgm:spPr/>
+      <dgm:t>
+        <a:bodyPr/>
+        <a:lstStyle/>
+        <a:p>
+          <a:endParaRPr lang="en-US"/>
+        </a:p>
+      </dgm:t>
+    </dgm:pt>
+    <dgm:pt modelId="{C57CF320-C848-4BDB-93EA-F63B53B6E559}" type="sibTrans" cxnId="{6428AC01-EACE-405B-ABBF-2A62BC113B88}">
+      <dgm:prSet/>
+      <dgm:spPr/>
+      <dgm:t>
+        <a:bodyPr/>
+        <a:lstStyle/>
+        <a:p>
+          <a:endParaRPr lang="en-US"/>
+        </a:p>
+      </dgm:t>
+    </dgm:pt>
+    <dgm:pt modelId="{FEA1F6E0-D991-4F7B-BAB6-52D52447A3F5}">
+      <dgm:prSet/>
+      <dgm:spPr/>
+      <dgm:t>
+        <a:bodyPr/>
+        <a:lstStyle/>
+        <a:p>
+          <a:pPr>
+            <a:lnSpc>
+              <a:spcPct val="100000"/>
+            </a:lnSpc>
+          </a:pPr>
+          <a:r>
+            <a:rPr lang="pt-BR"/>
+            <a:t>Interface intuitiva</a:t>
+          </a:r>
+          <a:endParaRPr lang="en-US"/>
+        </a:p>
+      </dgm:t>
+    </dgm:pt>
+    <dgm:pt modelId="{8C06F807-814C-4FD5-A139-744757508E20}" type="parTrans" cxnId="{6BDFAA73-8742-4269-A59C-4D15D6DD473F}">
+      <dgm:prSet/>
+      <dgm:spPr/>
+      <dgm:t>
+        <a:bodyPr/>
+        <a:lstStyle/>
+        <a:p>
+          <a:endParaRPr lang="en-US"/>
+        </a:p>
+      </dgm:t>
+    </dgm:pt>
+    <dgm:pt modelId="{90230E3D-2232-451B-BE2D-F81BFE545255}" type="sibTrans" cxnId="{6BDFAA73-8742-4269-A59C-4D15D6DD473F}">
+      <dgm:prSet/>
+      <dgm:spPr/>
+      <dgm:t>
+        <a:bodyPr/>
+        <a:lstStyle/>
+        <a:p>
+          <a:endParaRPr lang="en-US"/>
+        </a:p>
+      </dgm:t>
+    </dgm:pt>
+    <dgm:pt modelId="{2CD9EB77-3098-45C0-8301-1281FE105A5B}">
+      <dgm:prSet/>
+      <dgm:spPr/>
+      <dgm:t>
+        <a:bodyPr/>
+        <a:lstStyle/>
+        <a:p>
+          <a:pPr>
+            <a:lnSpc>
+              <a:spcPct val="100000"/>
+            </a:lnSpc>
+          </a:pPr>
+          <a:r>
+            <a:rPr lang="pt-BR"/>
+            <a:t>Facil acesso ao sistema</a:t>
+          </a:r>
+          <a:endParaRPr lang="en-US"/>
+        </a:p>
+      </dgm:t>
+    </dgm:pt>
+    <dgm:pt modelId="{1E976E94-D803-471D-9C2A-88687C9EED78}" type="parTrans" cxnId="{25030A97-8BD0-48B3-9226-A5D39DA5C46D}">
+      <dgm:prSet/>
+      <dgm:spPr/>
+      <dgm:t>
+        <a:bodyPr/>
+        <a:lstStyle/>
+        <a:p>
+          <a:endParaRPr lang="en-US"/>
+        </a:p>
+      </dgm:t>
+    </dgm:pt>
+    <dgm:pt modelId="{8FE236DA-1420-4974-A8ED-09E63C0E3DC6}" type="sibTrans" cxnId="{25030A97-8BD0-48B3-9226-A5D39DA5C46D}">
+      <dgm:prSet/>
+      <dgm:spPr/>
+      <dgm:t>
+        <a:bodyPr/>
+        <a:lstStyle/>
+        <a:p>
+          <a:endParaRPr lang="en-US"/>
+        </a:p>
+      </dgm:t>
+    </dgm:pt>
+    <dgm:pt modelId="{C84AECA3-3A5C-4495-A831-28B482A5F480}" type="pres">
+      <dgm:prSet presAssocID="{05D422FF-6EC1-428B-9865-5290D92AD1A0}" presName="root" presStyleCnt="0">
+        <dgm:presLayoutVars>
+          <dgm:dir/>
+          <dgm:resizeHandles val="exact"/>
+        </dgm:presLayoutVars>
+      </dgm:prSet>
+      <dgm:spPr/>
+    </dgm:pt>
+    <dgm:pt modelId="{534C9658-25DC-41E4-AF66-44F623979E98}" type="pres">
+      <dgm:prSet presAssocID="{56C0B459-2AF9-4F29-93FD-C76345E872B2}" presName="compNode" presStyleCnt="0"/>
+      <dgm:spPr/>
+    </dgm:pt>
+    <dgm:pt modelId="{CC1C33A3-C6B1-416F-8268-DCC5D102397F}" type="pres">
+      <dgm:prSet presAssocID="{56C0B459-2AF9-4F29-93FD-C76345E872B2}" presName="bgRect" presStyleLbl="bgShp" presStyleIdx="0" presStyleCnt="4"/>
+      <dgm:spPr/>
+    </dgm:pt>
+    <dgm:pt modelId="{08BBBFBD-230E-468D-A8FB-BC6D0013F1E0}" type="pres">
+      <dgm:prSet presAssocID="{56C0B459-2AF9-4F29-93FD-C76345E872B2}" presName="iconRect" presStyleLbl="node1" presStyleIdx="0" presStyleCnt="4"/>
+      <dgm:spPr>
+        <a:blipFill>
+          <a:blip xmlns:r="http://schemas.openxmlformats.org/officeDocument/2006/relationships" r:embed="rId1">
+            <a:extLst>
+              <a:ext uri="{28A0092B-C50C-407E-A947-70E740481C1C}">
+                <a14:useLocalDpi xmlns:a14="http://schemas.microsoft.com/office/drawing/2010/main" val="0"/>
+              </a:ext>
+              <a:ext uri="{96DAC541-7B7A-43D3-8B79-37D633B846F1}">
+                <asvg:svgBlip xmlns:asvg="http://schemas.microsoft.com/office/drawing/2016/SVG/main" r:embed="rId2"/>
+              </a:ext>
+            </a:extLst>
+          </a:blip>
+          <a:stretch>
+            <a:fillRect/>
+          </a:stretch>
+        </a:blipFill>
+      </dgm:spPr>
+      <dgm:extLst>
+        <a:ext uri="{E40237B7-FDA0-4F09-8148-C483321AD2D9}">
+          <dgm14:cNvPr xmlns:dgm14="http://schemas.microsoft.com/office/drawing/2010/diagram" id="0" name="" descr="Magnifying glass"/>
+        </a:ext>
+      </dgm:extLst>
+    </dgm:pt>
+    <dgm:pt modelId="{56CE091B-CAD8-4AF7-B671-FCCB687B4AB4}" type="pres">
+      <dgm:prSet presAssocID="{56C0B459-2AF9-4F29-93FD-C76345E872B2}" presName="spaceRect" presStyleCnt="0"/>
+      <dgm:spPr/>
+    </dgm:pt>
+    <dgm:pt modelId="{624E63BC-FD6F-49D9-97E2-4E54CC23A592}" type="pres">
+      <dgm:prSet presAssocID="{56C0B459-2AF9-4F29-93FD-C76345E872B2}" presName="parTx" presStyleLbl="revTx" presStyleIdx="0" presStyleCnt="4">
+        <dgm:presLayoutVars>
+          <dgm:chMax val="0"/>
+          <dgm:chPref val="0"/>
+        </dgm:presLayoutVars>
+      </dgm:prSet>
+      <dgm:spPr/>
+    </dgm:pt>
+    <dgm:pt modelId="{F2795203-F189-4E3C-88B8-05B94BC36BE0}" type="pres">
+      <dgm:prSet presAssocID="{0E165534-7844-4187-BFEA-CE01EA4A9C13}" presName="sibTrans" presStyleCnt="0"/>
+      <dgm:spPr/>
+    </dgm:pt>
+    <dgm:pt modelId="{F9219F6A-2229-48E9-9C91-FA17BB37DD7E}" type="pres">
+      <dgm:prSet presAssocID="{2106A9C2-CEC0-4B8C-B66C-501EF8DA4D15}" presName="compNode" presStyleCnt="0"/>
+      <dgm:spPr/>
+    </dgm:pt>
+    <dgm:pt modelId="{4205CCEE-F173-411C-852A-D235E78FA3F9}" type="pres">
+      <dgm:prSet presAssocID="{2106A9C2-CEC0-4B8C-B66C-501EF8DA4D15}" presName="bgRect" presStyleLbl="bgShp" presStyleIdx="1" presStyleCnt="4"/>
+      <dgm:spPr/>
+    </dgm:pt>
+    <dgm:pt modelId="{6B4463FB-85F3-46A6-8C85-B684FDBF6875}" type="pres">
+      <dgm:prSet presAssocID="{2106A9C2-CEC0-4B8C-B66C-501EF8DA4D15}" presName="iconRect" presStyleLbl="node1" presStyleIdx="1" presStyleCnt="4"/>
+      <dgm:spPr>
+        <a:blipFill>
+          <a:blip xmlns:r="http://schemas.openxmlformats.org/officeDocument/2006/relationships" r:embed="rId3">
+            <a:extLst>
+              <a:ext uri="{28A0092B-C50C-407E-A947-70E740481C1C}">
+                <a14:useLocalDpi xmlns:a14="http://schemas.microsoft.com/office/drawing/2010/main" val="0"/>
+              </a:ext>
+              <a:ext uri="{96DAC541-7B7A-43D3-8B79-37D633B846F1}">
+                <asvg:svgBlip xmlns:asvg="http://schemas.microsoft.com/office/drawing/2016/SVG/main" r:embed="rId4"/>
+              </a:ext>
+            </a:extLst>
+          </a:blip>
+          <a:stretch>
+            <a:fillRect/>
+          </a:stretch>
+        </a:blipFill>
+      </dgm:spPr>
+      <dgm:extLst>
+        <a:ext uri="{E40237B7-FDA0-4F09-8148-C483321AD2D9}">
+          <dgm14:cNvPr xmlns:dgm14="http://schemas.microsoft.com/office/drawing/2010/diagram" id="0" name="" descr="Medidor"/>
+        </a:ext>
+      </dgm:extLst>
+    </dgm:pt>
+    <dgm:pt modelId="{885E2AB7-62BF-429C-8F65-58AC1C7FC19E}" type="pres">
+      <dgm:prSet presAssocID="{2106A9C2-CEC0-4B8C-B66C-501EF8DA4D15}" presName="spaceRect" presStyleCnt="0"/>
+      <dgm:spPr/>
+    </dgm:pt>
+    <dgm:pt modelId="{6780CB89-5D5E-4139-ADA2-68A334E094DD}" type="pres">
+      <dgm:prSet presAssocID="{2106A9C2-CEC0-4B8C-B66C-501EF8DA4D15}" presName="parTx" presStyleLbl="revTx" presStyleIdx="1" presStyleCnt="4">
+        <dgm:presLayoutVars>
+          <dgm:chMax val="0"/>
+          <dgm:chPref val="0"/>
+        </dgm:presLayoutVars>
+      </dgm:prSet>
+      <dgm:spPr/>
+    </dgm:pt>
+    <dgm:pt modelId="{9D422FB4-10F3-4925-8E2E-2B6BD26AE061}" type="pres">
+      <dgm:prSet presAssocID="{C57CF320-C848-4BDB-93EA-F63B53B6E559}" presName="sibTrans" presStyleCnt="0"/>
+      <dgm:spPr/>
+    </dgm:pt>
+    <dgm:pt modelId="{7441BF10-807D-4D49-8705-8435E269FB77}" type="pres">
+      <dgm:prSet presAssocID="{FEA1F6E0-D991-4F7B-BAB6-52D52447A3F5}" presName="compNode" presStyleCnt="0"/>
+      <dgm:spPr/>
+    </dgm:pt>
+    <dgm:pt modelId="{D5F6F84B-1EDA-400C-AB5B-16225DC5436B}" type="pres">
+      <dgm:prSet presAssocID="{FEA1F6E0-D991-4F7B-BAB6-52D52447A3F5}" presName="bgRect" presStyleLbl="bgShp" presStyleIdx="2" presStyleCnt="4"/>
+      <dgm:spPr/>
+    </dgm:pt>
+    <dgm:pt modelId="{378F25B9-78A4-40AC-86AD-93A503AD3579}" type="pres">
+      <dgm:prSet presAssocID="{FEA1F6E0-D991-4F7B-BAB6-52D52447A3F5}" presName="iconRect" presStyleLbl="node1" presStyleIdx="2" presStyleCnt="4"/>
+      <dgm:spPr>
+        <a:blipFill>
+          <a:blip xmlns:r="http://schemas.openxmlformats.org/officeDocument/2006/relationships" r:embed="rId5">
+            <a:extLst>
+              <a:ext uri="{28A0092B-C50C-407E-A947-70E740481C1C}">
+                <a14:useLocalDpi xmlns:a14="http://schemas.microsoft.com/office/drawing/2010/main" val="0"/>
+              </a:ext>
+              <a:ext uri="{96DAC541-7B7A-43D3-8B79-37D633B846F1}">
+                <asvg:svgBlip xmlns:asvg="http://schemas.microsoft.com/office/drawing/2016/SVG/main" r:embed="rId6"/>
+              </a:ext>
+            </a:extLst>
+          </a:blip>
+          <a:stretch>
+            <a:fillRect/>
+          </a:stretch>
+        </a:blipFill>
+      </dgm:spPr>
+      <dgm:extLst>
+        <a:ext uri="{E40237B7-FDA0-4F09-8148-C483321AD2D9}">
+          <dgm14:cNvPr xmlns:dgm14="http://schemas.microsoft.com/office/drawing/2010/diagram" id="0" name="" descr="Smart Phone"/>
+        </a:ext>
+      </dgm:extLst>
+    </dgm:pt>
+    <dgm:pt modelId="{283D702C-4DAE-4968-9477-63191C5A5686}" type="pres">
+      <dgm:prSet presAssocID="{FEA1F6E0-D991-4F7B-BAB6-52D52447A3F5}" presName="spaceRect" presStyleCnt="0"/>
+      <dgm:spPr/>
+    </dgm:pt>
+    <dgm:pt modelId="{B33A2F21-9CD3-438B-B5CF-BB8F855B7422}" type="pres">
+      <dgm:prSet presAssocID="{FEA1F6E0-D991-4F7B-BAB6-52D52447A3F5}" presName="parTx" presStyleLbl="revTx" presStyleIdx="2" presStyleCnt="4">
+        <dgm:presLayoutVars>
+          <dgm:chMax val="0"/>
+          <dgm:chPref val="0"/>
+        </dgm:presLayoutVars>
+      </dgm:prSet>
+      <dgm:spPr/>
+    </dgm:pt>
+    <dgm:pt modelId="{35D6144D-5BC3-48B6-A91B-A8F17774C2DA}" type="pres">
+      <dgm:prSet presAssocID="{90230E3D-2232-451B-BE2D-F81BFE545255}" presName="sibTrans" presStyleCnt="0"/>
+      <dgm:spPr/>
+    </dgm:pt>
+    <dgm:pt modelId="{E910DC3B-ED45-4C77-B73A-A3E1626C3342}" type="pres">
+      <dgm:prSet presAssocID="{2CD9EB77-3098-45C0-8301-1281FE105A5B}" presName="compNode" presStyleCnt="0"/>
+      <dgm:spPr/>
+    </dgm:pt>
+    <dgm:pt modelId="{B91027D5-917C-456B-A0AE-8D90DB58D0B0}" type="pres">
+      <dgm:prSet presAssocID="{2CD9EB77-3098-45C0-8301-1281FE105A5B}" presName="bgRect" presStyleLbl="bgShp" presStyleIdx="3" presStyleCnt="4"/>
+      <dgm:spPr/>
+    </dgm:pt>
+    <dgm:pt modelId="{23CC8DA9-2AED-4340-B96E-C2346F7B1CAD}" type="pres">
+      <dgm:prSet presAssocID="{2CD9EB77-3098-45C0-8301-1281FE105A5B}" presName="iconRect" presStyleLbl="node1" presStyleIdx="3" presStyleCnt="4"/>
+      <dgm:spPr>
+        <a:blipFill>
+          <a:blip xmlns:r="http://schemas.openxmlformats.org/officeDocument/2006/relationships" r:embed="rId7">
+            <a:extLst>
+              <a:ext uri="{28A0092B-C50C-407E-A947-70E740481C1C}">
+                <a14:useLocalDpi xmlns:a14="http://schemas.microsoft.com/office/drawing/2010/main" val="0"/>
+              </a:ext>
+              <a:ext uri="{96DAC541-7B7A-43D3-8B79-37D633B846F1}">
+                <asvg:svgBlip xmlns:asvg="http://schemas.microsoft.com/office/drawing/2016/SVG/main" r:embed="rId8"/>
+              </a:ext>
+            </a:extLst>
+          </a:blip>
+          <a:stretch>
+            <a:fillRect/>
+          </a:stretch>
+        </a:blipFill>
+      </dgm:spPr>
+      <dgm:extLst>
+        <a:ext uri="{E40237B7-FDA0-4F09-8148-C483321AD2D9}">
+          <dgm14:cNvPr xmlns:dgm14="http://schemas.microsoft.com/office/drawing/2010/diagram" id="0" name="" descr="Laptop"/>
+        </a:ext>
+      </dgm:extLst>
+    </dgm:pt>
+    <dgm:pt modelId="{1CA9D1A5-B125-4264-B81A-27160EB0D069}" type="pres">
+      <dgm:prSet presAssocID="{2CD9EB77-3098-45C0-8301-1281FE105A5B}" presName="spaceRect" presStyleCnt="0"/>
+      <dgm:spPr/>
+    </dgm:pt>
+    <dgm:pt modelId="{07C52C64-C7D6-4A2F-9F08-08AD1CB56923}" type="pres">
+      <dgm:prSet presAssocID="{2CD9EB77-3098-45C0-8301-1281FE105A5B}" presName="parTx" presStyleLbl="revTx" presStyleIdx="3" presStyleCnt="4">
+        <dgm:presLayoutVars>
+          <dgm:chMax val="0"/>
+          <dgm:chPref val="0"/>
+        </dgm:presLayoutVars>
+      </dgm:prSet>
+      <dgm:spPr/>
+    </dgm:pt>
+  </dgm:ptLst>
+  <dgm:cxnLst>
+    <dgm:cxn modelId="{6428AC01-EACE-405B-ABBF-2A62BC113B88}" srcId="{05D422FF-6EC1-428B-9865-5290D92AD1A0}" destId="{2106A9C2-CEC0-4B8C-B66C-501EF8DA4D15}" srcOrd="1" destOrd="0" parTransId="{D174CAEF-A658-4B4B-9145-50494373364D}" sibTransId="{C57CF320-C848-4BDB-93EA-F63B53B6E559}"/>
+    <dgm:cxn modelId="{6BDFAA73-8742-4269-A59C-4D15D6DD473F}" srcId="{05D422FF-6EC1-428B-9865-5290D92AD1A0}" destId="{FEA1F6E0-D991-4F7B-BAB6-52D52447A3F5}" srcOrd="2" destOrd="0" parTransId="{8C06F807-814C-4FD5-A139-744757508E20}" sibTransId="{90230E3D-2232-451B-BE2D-F81BFE545255}"/>
+    <dgm:cxn modelId="{3712CE53-F987-4D75-8290-21C3ACF6734E}" type="presOf" srcId="{05D422FF-6EC1-428B-9865-5290D92AD1A0}" destId="{C84AECA3-3A5C-4495-A831-28B482A5F480}" srcOrd="0" destOrd="0" presId="urn:microsoft.com/office/officeart/2018/2/layout/IconVerticalSolidList"/>
+    <dgm:cxn modelId="{9C0FC45A-22A0-43FD-8BA3-1914CBD44A6D}" type="presOf" srcId="{56C0B459-2AF9-4F29-93FD-C76345E872B2}" destId="{624E63BC-FD6F-49D9-97E2-4E54CC23A592}" srcOrd="0" destOrd="0" presId="urn:microsoft.com/office/officeart/2018/2/layout/IconVerticalSolidList"/>
+    <dgm:cxn modelId="{25030A97-8BD0-48B3-9226-A5D39DA5C46D}" srcId="{05D422FF-6EC1-428B-9865-5290D92AD1A0}" destId="{2CD9EB77-3098-45C0-8301-1281FE105A5B}" srcOrd="3" destOrd="0" parTransId="{1E976E94-D803-471D-9C2A-88687C9EED78}" sibTransId="{8FE236DA-1420-4974-A8ED-09E63C0E3DC6}"/>
+    <dgm:cxn modelId="{9DA9B2A3-A289-4BBB-85B9-DBBBD5A58D50}" type="presOf" srcId="{FEA1F6E0-D991-4F7B-BAB6-52D52447A3F5}" destId="{B33A2F21-9CD3-438B-B5CF-BB8F855B7422}" srcOrd="0" destOrd="0" presId="urn:microsoft.com/office/officeart/2018/2/layout/IconVerticalSolidList"/>
+    <dgm:cxn modelId="{25B1E1DB-1B17-44F5-9AE5-746FAF0C1B50}" type="presOf" srcId="{2CD9EB77-3098-45C0-8301-1281FE105A5B}" destId="{07C52C64-C7D6-4A2F-9F08-08AD1CB56923}" srcOrd="0" destOrd="0" presId="urn:microsoft.com/office/officeart/2018/2/layout/IconVerticalSolidList"/>
+    <dgm:cxn modelId="{2CA0D9DF-3A79-4125-8914-0E62A769F09D}" type="presOf" srcId="{2106A9C2-CEC0-4B8C-B66C-501EF8DA4D15}" destId="{6780CB89-5D5E-4139-ADA2-68A334E094DD}" srcOrd="0" destOrd="0" presId="urn:microsoft.com/office/officeart/2018/2/layout/IconVerticalSolidList"/>
+    <dgm:cxn modelId="{494FCDEA-1308-4F79-967B-0A0000A50A3B}" srcId="{05D422FF-6EC1-428B-9865-5290D92AD1A0}" destId="{56C0B459-2AF9-4F29-93FD-C76345E872B2}" srcOrd="0" destOrd="0" parTransId="{F96EE5C3-CA4E-479A-BF6F-C1A9C8479FA9}" sibTransId="{0E165534-7844-4187-BFEA-CE01EA4A9C13}"/>
+    <dgm:cxn modelId="{377E2A71-F99C-4FCD-A1EA-9C5ABDAF38C2}" type="presParOf" srcId="{C84AECA3-3A5C-4495-A831-28B482A5F480}" destId="{534C9658-25DC-41E4-AF66-44F623979E98}" srcOrd="0" destOrd="0" presId="urn:microsoft.com/office/officeart/2018/2/layout/IconVerticalSolidList"/>
+    <dgm:cxn modelId="{0CD3E274-7A08-40B7-AD5E-883A044A077E}" type="presParOf" srcId="{534C9658-25DC-41E4-AF66-44F623979E98}" destId="{CC1C33A3-C6B1-416F-8268-DCC5D102397F}" srcOrd="0" destOrd="0" presId="urn:microsoft.com/office/officeart/2018/2/layout/IconVerticalSolidList"/>
+    <dgm:cxn modelId="{ADDE63D6-6A42-46F9-9AE7-92DF2EFFDCA9}" type="presParOf" srcId="{534C9658-25DC-41E4-AF66-44F623979E98}" destId="{08BBBFBD-230E-468D-A8FB-BC6D0013F1E0}" srcOrd="1" destOrd="0" presId="urn:microsoft.com/office/officeart/2018/2/layout/IconVerticalSolidList"/>
+    <dgm:cxn modelId="{800E1E8A-6E8E-43AF-8200-69D7D5B2AD5A}" type="presParOf" srcId="{534C9658-25DC-41E4-AF66-44F623979E98}" destId="{56CE091B-CAD8-4AF7-B671-FCCB687B4AB4}" srcOrd="2" destOrd="0" presId="urn:microsoft.com/office/officeart/2018/2/layout/IconVerticalSolidList"/>
+    <dgm:cxn modelId="{DC140758-DEBB-4949-8164-CD65DD89E665}" type="presParOf" srcId="{534C9658-25DC-41E4-AF66-44F623979E98}" destId="{624E63BC-FD6F-49D9-97E2-4E54CC23A592}" srcOrd="3" destOrd="0" presId="urn:microsoft.com/office/officeart/2018/2/layout/IconVerticalSolidList"/>
+    <dgm:cxn modelId="{A2414CE6-546F-44CE-BE2D-31F35F73B0F0}" type="presParOf" srcId="{C84AECA3-3A5C-4495-A831-28B482A5F480}" destId="{F2795203-F189-4E3C-88B8-05B94BC36BE0}" srcOrd="1" destOrd="0" presId="urn:microsoft.com/office/officeart/2018/2/layout/IconVerticalSolidList"/>
+    <dgm:cxn modelId="{930BFDAE-FA8C-4E95-811D-12DACBDF5CA4}" type="presParOf" srcId="{C84AECA3-3A5C-4495-A831-28B482A5F480}" destId="{F9219F6A-2229-48E9-9C91-FA17BB37DD7E}" srcOrd="2" destOrd="0" presId="urn:microsoft.com/office/officeart/2018/2/layout/IconVerticalSolidList"/>
+    <dgm:cxn modelId="{3A20D8FA-655D-44BC-BE99-5AF262888801}" type="presParOf" srcId="{F9219F6A-2229-48E9-9C91-FA17BB37DD7E}" destId="{4205CCEE-F173-411C-852A-D235E78FA3F9}" srcOrd="0" destOrd="0" presId="urn:microsoft.com/office/officeart/2018/2/layout/IconVerticalSolidList"/>
+    <dgm:cxn modelId="{2DE2A0CB-0FDB-41DC-AB01-4D012BC460E9}" type="presParOf" srcId="{F9219F6A-2229-48E9-9C91-FA17BB37DD7E}" destId="{6B4463FB-85F3-46A6-8C85-B684FDBF6875}" srcOrd="1" destOrd="0" presId="urn:microsoft.com/office/officeart/2018/2/layout/IconVerticalSolidList"/>
+    <dgm:cxn modelId="{F99BE375-17F2-456D-8538-A2964BBD59E1}" type="presParOf" srcId="{F9219F6A-2229-48E9-9C91-FA17BB37DD7E}" destId="{885E2AB7-62BF-429C-8F65-58AC1C7FC19E}" srcOrd="2" destOrd="0" presId="urn:microsoft.com/office/officeart/2018/2/layout/IconVerticalSolidList"/>
+    <dgm:cxn modelId="{95DCC7E7-5C29-498F-8C8F-4BEEEAFA2DC3}" type="presParOf" srcId="{F9219F6A-2229-48E9-9C91-FA17BB37DD7E}" destId="{6780CB89-5D5E-4139-ADA2-68A334E094DD}" srcOrd="3" destOrd="0" presId="urn:microsoft.com/office/officeart/2018/2/layout/IconVerticalSolidList"/>
+    <dgm:cxn modelId="{1E0CF7EA-D463-41DF-BFFC-8A054C5E0CAD}" type="presParOf" srcId="{C84AECA3-3A5C-4495-A831-28B482A5F480}" destId="{9D422FB4-10F3-4925-8E2E-2B6BD26AE061}" srcOrd="3" destOrd="0" presId="urn:microsoft.com/office/officeart/2018/2/layout/IconVerticalSolidList"/>
+    <dgm:cxn modelId="{432EA7AB-D9FA-4C42-A667-30B4D88A09DD}" type="presParOf" srcId="{C84AECA3-3A5C-4495-A831-28B482A5F480}" destId="{7441BF10-807D-4D49-8705-8435E269FB77}" srcOrd="4" destOrd="0" presId="urn:microsoft.com/office/officeart/2018/2/layout/IconVerticalSolidList"/>
+    <dgm:cxn modelId="{057F387D-E0CB-4F47-B7F1-AFFCDD6EAF94}" type="presParOf" srcId="{7441BF10-807D-4D49-8705-8435E269FB77}" destId="{D5F6F84B-1EDA-400C-AB5B-16225DC5436B}" srcOrd="0" destOrd="0" presId="urn:microsoft.com/office/officeart/2018/2/layout/IconVerticalSolidList"/>
+    <dgm:cxn modelId="{0FC0C27C-F72A-4E99-91C6-1E25C13D590B}" type="presParOf" srcId="{7441BF10-807D-4D49-8705-8435E269FB77}" destId="{378F25B9-78A4-40AC-86AD-93A503AD3579}" srcOrd="1" destOrd="0" presId="urn:microsoft.com/office/officeart/2018/2/layout/IconVerticalSolidList"/>
+    <dgm:cxn modelId="{5273BD37-BFAD-4FA3-918B-FFAEFAB20BA2}" type="presParOf" srcId="{7441BF10-807D-4D49-8705-8435E269FB77}" destId="{283D702C-4DAE-4968-9477-63191C5A5686}" srcOrd="2" destOrd="0" presId="urn:microsoft.com/office/officeart/2018/2/layout/IconVerticalSolidList"/>
+    <dgm:cxn modelId="{345026AB-032A-4C3A-A7EC-572A67F08E94}" type="presParOf" srcId="{7441BF10-807D-4D49-8705-8435E269FB77}" destId="{B33A2F21-9CD3-438B-B5CF-BB8F855B7422}" srcOrd="3" destOrd="0" presId="urn:microsoft.com/office/officeart/2018/2/layout/IconVerticalSolidList"/>
+    <dgm:cxn modelId="{CC5656F2-677C-4425-A871-41BA25F882B1}" type="presParOf" srcId="{C84AECA3-3A5C-4495-A831-28B482A5F480}" destId="{35D6144D-5BC3-48B6-A91B-A8F17774C2DA}" srcOrd="5" destOrd="0" presId="urn:microsoft.com/office/officeart/2018/2/layout/IconVerticalSolidList"/>
+    <dgm:cxn modelId="{E122CC0C-465A-4F46-91DE-BF97A7B73B2E}" type="presParOf" srcId="{C84AECA3-3A5C-4495-A831-28B482A5F480}" destId="{E910DC3B-ED45-4C77-B73A-A3E1626C3342}" srcOrd="6" destOrd="0" presId="urn:microsoft.com/office/officeart/2018/2/layout/IconVerticalSolidList"/>
+    <dgm:cxn modelId="{52E7379C-D0C0-4000-8032-DF63D7BD565B}" type="presParOf" srcId="{E910DC3B-ED45-4C77-B73A-A3E1626C3342}" destId="{B91027D5-917C-456B-A0AE-8D90DB58D0B0}" srcOrd="0" destOrd="0" presId="urn:microsoft.com/office/officeart/2018/2/layout/IconVerticalSolidList"/>
+    <dgm:cxn modelId="{06599970-20DA-45B3-8614-25843A47866F}" type="presParOf" srcId="{E910DC3B-ED45-4C77-B73A-A3E1626C3342}" destId="{23CC8DA9-2AED-4340-B96E-C2346F7B1CAD}" srcOrd="1" destOrd="0" presId="urn:microsoft.com/office/officeart/2018/2/layout/IconVerticalSolidList"/>
+    <dgm:cxn modelId="{6A8DAB34-EAC0-4666-9CD3-D8F7695D13CC}" type="presParOf" srcId="{E910DC3B-ED45-4C77-B73A-A3E1626C3342}" destId="{1CA9D1A5-B125-4264-B81A-27160EB0D069}" srcOrd="2" destOrd="0" presId="urn:microsoft.com/office/officeart/2018/2/layout/IconVerticalSolidList"/>
+    <dgm:cxn modelId="{01E633A1-A533-4CF9-A260-9F17804C9678}" type="presParOf" srcId="{E910DC3B-ED45-4C77-B73A-A3E1626C3342}" destId="{07C52C64-C7D6-4A2F-9F08-08AD1CB56923}" srcOrd="3" destOrd="0" presId="urn:microsoft.com/office/officeart/2018/2/layout/IconVerticalSolidList"/>
   </dgm:cxnLst>
   <dgm:bg/>
   <dgm:whole/>
@@ -3602,6 +4781,658 @@
 </dsp:drawing>
 </file>
 
+<file path=ppt/diagrams/drawing3.xml><?xml version="1.0" encoding="utf-8"?>
+<dsp:drawing xmlns:dgm="http://schemas.openxmlformats.org/drawingml/2006/diagram" xmlns:dsp="http://schemas.microsoft.com/office/drawing/2008/diagram" xmlns:a="http://schemas.openxmlformats.org/drawingml/2006/main">
+  <dsp:spTree>
+    <dsp:nvGrpSpPr>
+      <dsp:cNvPr id="0" name=""/>
+      <dsp:cNvGrpSpPr/>
+    </dsp:nvGrpSpPr>
+    <dsp:grpSpPr/>
+    <dsp:sp modelId="{CC1C33A3-C6B1-416F-8268-DCC5D102397F}">
+      <dsp:nvSpPr>
+        <dsp:cNvPr id="0" name=""/>
+        <dsp:cNvSpPr/>
+      </dsp:nvSpPr>
+      <dsp:spPr>
+        <a:xfrm>
+          <a:off x="0" y="1764"/>
+          <a:ext cx="10515600" cy="894406"/>
+        </a:xfrm>
+        <a:prstGeom prst="roundRect">
+          <a:avLst>
+            <a:gd name="adj" fmla="val 10000"/>
+          </a:avLst>
+        </a:prstGeom>
+        <a:solidFill>
+          <a:schemeClr val="accent1">
+            <a:tint val="40000"/>
+            <a:hueOff val="0"/>
+            <a:satOff val="0"/>
+            <a:lumOff val="0"/>
+            <a:alphaOff val="0"/>
+          </a:schemeClr>
+        </a:solidFill>
+        <a:ln>
+          <a:noFill/>
+        </a:ln>
+        <a:effectLst/>
+      </dsp:spPr>
+      <dsp:style>
+        <a:lnRef idx="0">
+          <a:scrgbClr r="0" g="0" b="0"/>
+        </a:lnRef>
+        <a:fillRef idx="1">
+          <a:scrgbClr r="0" g="0" b="0"/>
+        </a:fillRef>
+        <a:effectRef idx="0">
+          <a:scrgbClr r="0" g="0" b="0"/>
+        </a:effectRef>
+        <a:fontRef idx="minor"/>
+      </dsp:style>
+    </dsp:sp>
+    <dsp:sp modelId="{08BBBFBD-230E-468D-A8FB-BC6D0013F1E0}">
+      <dsp:nvSpPr>
+        <dsp:cNvPr id="0" name=""/>
+        <dsp:cNvSpPr/>
+      </dsp:nvSpPr>
+      <dsp:spPr>
+        <a:xfrm>
+          <a:off x="270557" y="203006"/>
+          <a:ext cx="491923" cy="491923"/>
+        </a:xfrm>
+        <a:prstGeom prst="rect">
+          <a:avLst/>
+        </a:prstGeom>
+        <a:blipFill>
+          <a:blip xmlns:r="http://schemas.openxmlformats.org/officeDocument/2006/relationships" r:embed="rId1">
+            <a:extLst>
+              <a:ext uri="{28A0092B-C50C-407E-A947-70E740481C1C}">
+                <a14:useLocalDpi xmlns:a14="http://schemas.microsoft.com/office/drawing/2010/main" val="0"/>
+              </a:ext>
+              <a:ext uri="{96DAC541-7B7A-43D3-8B79-37D633B846F1}">
+                <asvg:svgBlip xmlns:asvg="http://schemas.microsoft.com/office/drawing/2016/SVG/main" r:embed="rId2"/>
+              </a:ext>
+            </a:extLst>
+          </a:blip>
+          <a:stretch>
+            <a:fillRect/>
+          </a:stretch>
+        </a:blipFill>
+        <a:ln w="12700" cap="flat" cmpd="sng" algn="ctr">
+          <a:solidFill>
+            <a:schemeClr val="lt1">
+              <a:hueOff val="0"/>
+              <a:satOff val="0"/>
+              <a:lumOff val="0"/>
+              <a:alphaOff val="0"/>
+            </a:schemeClr>
+          </a:solidFill>
+          <a:prstDash val="solid"/>
+          <a:miter lim="800000"/>
+        </a:ln>
+        <a:effectLst/>
+      </dsp:spPr>
+      <dsp:style>
+        <a:lnRef idx="2">
+          <a:scrgbClr r="0" g="0" b="0"/>
+        </a:lnRef>
+        <a:fillRef idx="1">
+          <a:scrgbClr r="0" g="0" b="0"/>
+        </a:fillRef>
+        <a:effectRef idx="0">
+          <a:scrgbClr r="0" g="0" b="0"/>
+        </a:effectRef>
+        <a:fontRef idx="minor">
+          <a:schemeClr val="lt1"/>
+        </a:fontRef>
+      </dsp:style>
+    </dsp:sp>
+    <dsp:sp modelId="{624E63BC-FD6F-49D9-97E2-4E54CC23A592}">
+      <dsp:nvSpPr>
+        <dsp:cNvPr id="0" name=""/>
+        <dsp:cNvSpPr/>
+      </dsp:nvSpPr>
+      <dsp:spPr>
+        <a:xfrm>
+          <a:off x="1033039" y="1764"/>
+          <a:ext cx="9482560" cy="894406"/>
+        </a:xfrm>
+        <a:prstGeom prst="rect">
+          <a:avLst/>
+        </a:prstGeom>
+        <a:noFill/>
+        <a:ln>
+          <a:noFill/>
+        </a:ln>
+        <a:effectLst/>
+      </dsp:spPr>
+      <dsp:style>
+        <a:lnRef idx="0">
+          <a:scrgbClr r="0" g="0" b="0"/>
+        </a:lnRef>
+        <a:fillRef idx="0">
+          <a:scrgbClr r="0" g="0" b="0"/>
+        </a:fillRef>
+        <a:effectRef idx="0">
+          <a:scrgbClr r="0" g="0" b="0"/>
+        </a:effectRef>
+        <a:fontRef idx="minor"/>
+      </dsp:style>
+      <dsp:txBody>
+        <a:bodyPr spcFirstLastPara="0" vert="horz" wrap="square" lIns="94658" tIns="94658" rIns="94658" bIns="94658" numCol="1" spcCol="1270" anchor="ctr" anchorCtr="0">
+          <a:noAutofit/>
+        </a:bodyPr>
+        <a:lstStyle/>
+        <a:p>
+          <a:pPr marL="0" lvl="0" indent="0" algn="l" defTabSz="977900">
+            <a:lnSpc>
+              <a:spcPct val="100000"/>
+            </a:lnSpc>
+            <a:spcBef>
+              <a:spcPct val="0"/>
+            </a:spcBef>
+            <a:spcAft>
+              <a:spcPct val="35000"/>
+            </a:spcAft>
+            <a:buNone/>
+          </a:pPr>
+          <a:r>
+            <a:rPr lang="pt-BR" sz="2200" kern="1200"/>
+            <a:t>Busca precisa</a:t>
+          </a:r>
+          <a:endParaRPr lang="en-US" sz="2200" kern="1200"/>
+        </a:p>
+      </dsp:txBody>
+      <dsp:txXfrm>
+        <a:off x="1033039" y="1764"/>
+        <a:ext cx="9482560" cy="894406"/>
+      </dsp:txXfrm>
+    </dsp:sp>
+    <dsp:sp modelId="{4205CCEE-F173-411C-852A-D235E78FA3F9}">
+      <dsp:nvSpPr>
+        <dsp:cNvPr id="0" name=""/>
+        <dsp:cNvSpPr/>
+      </dsp:nvSpPr>
+      <dsp:spPr>
+        <a:xfrm>
+          <a:off x="0" y="1119772"/>
+          <a:ext cx="10515600" cy="894406"/>
+        </a:xfrm>
+        <a:prstGeom prst="roundRect">
+          <a:avLst>
+            <a:gd name="adj" fmla="val 10000"/>
+          </a:avLst>
+        </a:prstGeom>
+        <a:solidFill>
+          <a:schemeClr val="accent1">
+            <a:tint val="40000"/>
+            <a:hueOff val="0"/>
+            <a:satOff val="0"/>
+            <a:lumOff val="0"/>
+            <a:alphaOff val="0"/>
+          </a:schemeClr>
+        </a:solidFill>
+        <a:ln>
+          <a:noFill/>
+        </a:ln>
+        <a:effectLst/>
+      </dsp:spPr>
+      <dsp:style>
+        <a:lnRef idx="0">
+          <a:scrgbClr r="0" g="0" b="0"/>
+        </a:lnRef>
+        <a:fillRef idx="1">
+          <a:scrgbClr r="0" g="0" b="0"/>
+        </a:fillRef>
+        <a:effectRef idx="0">
+          <a:scrgbClr r="0" g="0" b="0"/>
+        </a:effectRef>
+        <a:fontRef idx="minor"/>
+      </dsp:style>
+    </dsp:sp>
+    <dsp:sp modelId="{6B4463FB-85F3-46A6-8C85-B684FDBF6875}">
+      <dsp:nvSpPr>
+        <dsp:cNvPr id="0" name=""/>
+        <dsp:cNvSpPr/>
+      </dsp:nvSpPr>
+      <dsp:spPr>
+        <a:xfrm>
+          <a:off x="270557" y="1321014"/>
+          <a:ext cx="491923" cy="491923"/>
+        </a:xfrm>
+        <a:prstGeom prst="rect">
+          <a:avLst/>
+        </a:prstGeom>
+        <a:blipFill>
+          <a:blip xmlns:r="http://schemas.openxmlformats.org/officeDocument/2006/relationships" r:embed="rId3">
+            <a:extLst>
+              <a:ext uri="{28A0092B-C50C-407E-A947-70E740481C1C}">
+                <a14:useLocalDpi xmlns:a14="http://schemas.microsoft.com/office/drawing/2010/main" val="0"/>
+              </a:ext>
+              <a:ext uri="{96DAC541-7B7A-43D3-8B79-37D633B846F1}">
+                <asvg:svgBlip xmlns:asvg="http://schemas.microsoft.com/office/drawing/2016/SVG/main" r:embed="rId4"/>
+              </a:ext>
+            </a:extLst>
+          </a:blip>
+          <a:stretch>
+            <a:fillRect/>
+          </a:stretch>
+        </a:blipFill>
+        <a:ln w="12700" cap="flat" cmpd="sng" algn="ctr">
+          <a:solidFill>
+            <a:schemeClr val="lt1">
+              <a:hueOff val="0"/>
+              <a:satOff val="0"/>
+              <a:lumOff val="0"/>
+              <a:alphaOff val="0"/>
+            </a:schemeClr>
+          </a:solidFill>
+          <a:prstDash val="solid"/>
+          <a:miter lim="800000"/>
+        </a:ln>
+        <a:effectLst/>
+      </dsp:spPr>
+      <dsp:style>
+        <a:lnRef idx="2">
+          <a:scrgbClr r="0" g="0" b="0"/>
+        </a:lnRef>
+        <a:fillRef idx="1">
+          <a:scrgbClr r="0" g="0" b="0"/>
+        </a:fillRef>
+        <a:effectRef idx="0">
+          <a:scrgbClr r="0" g="0" b="0"/>
+        </a:effectRef>
+        <a:fontRef idx="minor">
+          <a:schemeClr val="lt1"/>
+        </a:fontRef>
+      </dsp:style>
+    </dsp:sp>
+    <dsp:sp modelId="{6780CB89-5D5E-4139-ADA2-68A334E094DD}">
+      <dsp:nvSpPr>
+        <dsp:cNvPr id="0" name=""/>
+        <dsp:cNvSpPr/>
+      </dsp:nvSpPr>
+      <dsp:spPr>
+        <a:xfrm>
+          <a:off x="1033039" y="1119772"/>
+          <a:ext cx="9482560" cy="894406"/>
+        </a:xfrm>
+        <a:prstGeom prst="rect">
+          <a:avLst/>
+        </a:prstGeom>
+        <a:noFill/>
+        <a:ln>
+          <a:noFill/>
+        </a:ln>
+        <a:effectLst/>
+      </dsp:spPr>
+      <dsp:style>
+        <a:lnRef idx="0">
+          <a:scrgbClr r="0" g="0" b="0"/>
+        </a:lnRef>
+        <a:fillRef idx="0">
+          <a:scrgbClr r="0" g="0" b="0"/>
+        </a:fillRef>
+        <a:effectRef idx="0">
+          <a:scrgbClr r="0" g="0" b="0"/>
+        </a:effectRef>
+        <a:fontRef idx="minor"/>
+      </dsp:style>
+      <dsp:txBody>
+        <a:bodyPr spcFirstLastPara="0" vert="horz" wrap="square" lIns="94658" tIns="94658" rIns="94658" bIns="94658" numCol="1" spcCol="1270" anchor="ctr" anchorCtr="0">
+          <a:noAutofit/>
+        </a:bodyPr>
+        <a:lstStyle/>
+        <a:p>
+          <a:pPr marL="0" lvl="0" indent="0" algn="l" defTabSz="977900">
+            <a:lnSpc>
+              <a:spcPct val="100000"/>
+            </a:lnSpc>
+            <a:spcBef>
+              <a:spcPct val="0"/>
+            </a:spcBef>
+            <a:spcAft>
+              <a:spcPct val="35000"/>
+            </a:spcAft>
+            <a:buNone/>
+          </a:pPr>
+          <a:r>
+            <a:rPr lang="pt-BR" sz="2200" kern="1200"/>
+            <a:t>Velocidade da busca</a:t>
+          </a:r>
+          <a:endParaRPr lang="en-US" sz="2200" kern="1200"/>
+        </a:p>
+      </dsp:txBody>
+      <dsp:txXfrm>
+        <a:off x="1033039" y="1119772"/>
+        <a:ext cx="9482560" cy="894406"/>
+      </dsp:txXfrm>
+    </dsp:sp>
+    <dsp:sp modelId="{D5F6F84B-1EDA-400C-AB5B-16225DC5436B}">
+      <dsp:nvSpPr>
+        <dsp:cNvPr id="0" name=""/>
+        <dsp:cNvSpPr/>
+      </dsp:nvSpPr>
+      <dsp:spPr>
+        <a:xfrm>
+          <a:off x="0" y="2237780"/>
+          <a:ext cx="10515600" cy="894406"/>
+        </a:xfrm>
+        <a:prstGeom prst="roundRect">
+          <a:avLst>
+            <a:gd name="adj" fmla="val 10000"/>
+          </a:avLst>
+        </a:prstGeom>
+        <a:solidFill>
+          <a:schemeClr val="accent1">
+            <a:tint val="40000"/>
+            <a:hueOff val="0"/>
+            <a:satOff val="0"/>
+            <a:lumOff val="0"/>
+            <a:alphaOff val="0"/>
+          </a:schemeClr>
+        </a:solidFill>
+        <a:ln>
+          <a:noFill/>
+        </a:ln>
+        <a:effectLst/>
+      </dsp:spPr>
+      <dsp:style>
+        <a:lnRef idx="0">
+          <a:scrgbClr r="0" g="0" b="0"/>
+        </a:lnRef>
+        <a:fillRef idx="1">
+          <a:scrgbClr r="0" g="0" b="0"/>
+        </a:fillRef>
+        <a:effectRef idx="0">
+          <a:scrgbClr r="0" g="0" b="0"/>
+        </a:effectRef>
+        <a:fontRef idx="minor"/>
+      </dsp:style>
+    </dsp:sp>
+    <dsp:sp modelId="{378F25B9-78A4-40AC-86AD-93A503AD3579}">
+      <dsp:nvSpPr>
+        <dsp:cNvPr id="0" name=""/>
+        <dsp:cNvSpPr/>
+      </dsp:nvSpPr>
+      <dsp:spPr>
+        <a:xfrm>
+          <a:off x="270557" y="2439022"/>
+          <a:ext cx="491923" cy="491923"/>
+        </a:xfrm>
+        <a:prstGeom prst="rect">
+          <a:avLst/>
+        </a:prstGeom>
+        <a:blipFill>
+          <a:blip xmlns:r="http://schemas.openxmlformats.org/officeDocument/2006/relationships" r:embed="rId5">
+            <a:extLst>
+              <a:ext uri="{28A0092B-C50C-407E-A947-70E740481C1C}">
+                <a14:useLocalDpi xmlns:a14="http://schemas.microsoft.com/office/drawing/2010/main" val="0"/>
+              </a:ext>
+              <a:ext uri="{96DAC541-7B7A-43D3-8B79-37D633B846F1}">
+                <asvg:svgBlip xmlns:asvg="http://schemas.microsoft.com/office/drawing/2016/SVG/main" r:embed="rId6"/>
+              </a:ext>
+            </a:extLst>
+          </a:blip>
+          <a:stretch>
+            <a:fillRect/>
+          </a:stretch>
+        </a:blipFill>
+        <a:ln w="12700" cap="flat" cmpd="sng" algn="ctr">
+          <a:solidFill>
+            <a:schemeClr val="lt1">
+              <a:hueOff val="0"/>
+              <a:satOff val="0"/>
+              <a:lumOff val="0"/>
+              <a:alphaOff val="0"/>
+            </a:schemeClr>
+          </a:solidFill>
+          <a:prstDash val="solid"/>
+          <a:miter lim="800000"/>
+        </a:ln>
+        <a:effectLst/>
+      </dsp:spPr>
+      <dsp:style>
+        <a:lnRef idx="2">
+          <a:scrgbClr r="0" g="0" b="0"/>
+        </a:lnRef>
+        <a:fillRef idx="1">
+          <a:scrgbClr r="0" g="0" b="0"/>
+        </a:fillRef>
+        <a:effectRef idx="0">
+          <a:scrgbClr r="0" g="0" b="0"/>
+        </a:effectRef>
+        <a:fontRef idx="minor">
+          <a:schemeClr val="lt1"/>
+        </a:fontRef>
+      </dsp:style>
+    </dsp:sp>
+    <dsp:sp modelId="{B33A2F21-9CD3-438B-B5CF-BB8F855B7422}">
+      <dsp:nvSpPr>
+        <dsp:cNvPr id="0" name=""/>
+        <dsp:cNvSpPr/>
+      </dsp:nvSpPr>
+      <dsp:spPr>
+        <a:xfrm>
+          <a:off x="1033039" y="2237780"/>
+          <a:ext cx="9482560" cy="894406"/>
+        </a:xfrm>
+        <a:prstGeom prst="rect">
+          <a:avLst/>
+        </a:prstGeom>
+        <a:noFill/>
+        <a:ln>
+          <a:noFill/>
+        </a:ln>
+        <a:effectLst/>
+      </dsp:spPr>
+      <dsp:style>
+        <a:lnRef idx="0">
+          <a:scrgbClr r="0" g="0" b="0"/>
+        </a:lnRef>
+        <a:fillRef idx="0">
+          <a:scrgbClr r="0" g="0" b="0"/>
+        </a:fillRef>
+        <a:effectRef idx="0">
+          <a:scrgbClr r="0" g="0" b="0"/>
+        </a:effectRef>
+        <a:fontRef idx="minor"/>
+      </dsp:style>
+      <dsp:txBody>
+        <a:bodyPr spcFirstLastPara="0" vert="horz" wrap="square" lIns="94658" tIns="94658" rIns="94658" bIns="94658" numCol="1" spcCol="1270" anchor="ctr" anchorCtr="0">
+          <a:noAutofit/>
+        </a:bodyPr>
+        <a:lstStyle/>
+        <a:p>
+          <a:pPr marL="0" lvl="0" indent="0" algn="l" defTabSz="977900">
+            <a:lnSpc>
+              <a:spcPct val="100000"/>
+            </a:lnSpc>
+            <a:spcBef>
+              <a:spcPct val="0"/>
+            </a:spcBef>
+            <a:spcAft>
+              <a:spcPct val="35000"/>
+            </a:spcAft>
+            <a:buNone/>
+          </a:pPr>
+          <a:r>
+            <a:rPr lang="pt-BR" sz="2200" kern="1200"/>
+            <a:t>Interface intuitiva</a:t>
+          </a:r>
+          <a:endParaRPr lang="en-US" sz="2200" kern="1200"/>
+        </a:p>
+      </dsp:txBody>
+      <dsp:txXfrm>
+        <a:off x="1033039" y="2237780"/>
+        <a:ext cx="9482560" cy="894406"/>
+      </dsp:txXfrm>
+    </dsp:sp>
+    <dsp:sp modelId="{B91027D5-917C-456B-A0AE-8D90DB58D0B0}">
+      <dsp:nvSpPr>
+        <dsp:cNvPr id="0" name=""/>
+        <dsp:cNvSpPr/>
+      </dsp:nvSpPr>
+      <dsp:spPr>
+        <a:xfrm>
+          <a:off x="0" y="3355788"/>
+          <a:ext cx="10515600" cy="894406"/>
+        </a:xfrm>
+        <a:prstGeom prst="roundRect">
+          <a:avLst>
+            <a:gd name="adj" fmla="val 10000"/>
+          </a:avLst>
+        </a:prstGeom>
+        <a:solidFill>
+          <a:schemeClr val="accent1">
+            <a:tint val="40000"/>
+            <a:hueOff val="0"/>
+            <a:satOff val="0"/>
+            <a:lumOff val="0"/>
+            <a:alphaOff val="0"/>
+          </a:schemeClr>
+        </a:solidFill>
+        <a:ln>
+          <a:noFill/>
+        </a:ln>
+        <a:effectLst/>
+      </dsp:spPr>
+      <dsp:style>
+        <a:lnRef idx="0">
+          <a:scrgbClr r="0" g="0" b="0"/>
+        </a:lnRef>
+        <a:fillRef idx="1">
+          <a:scrgbClr r="0" g="0" b="0"/>
+        </a:fillRef>
+        <a:effectRef idx="0">
+          <a:scrgbClr r="0" g="0" b="0"/>
+        </a:effectRef>
+        <a:fontRef idx="minor"/>
+      </dsp:style>
+    </dsp:sp>
+    <dsp:sp modelId="{23CC8DA9-2AED-4340-B96E-C2346F7B1CAD}">
+      <dsp:nvSpPr>
+        <dsp:cNvPr id="0" name=""/>
+        <dsp:cNvSpPr/>
+      </dsp:nvSpPr>
+      <dsp:spPr>
+        <a:xfrm>
+          <a:off x="270557" y="3557030"/>
+          <a:ext cx="491923" cy="491923"/>
+        </a:xfrm>
+        <a:prstGeom prst="rect">
+          <a:avLst/>
+        </a:prstGeom>
+        <a:blipFill>
+          <a:blip xmlns:r="http://schemas.openxmlformats.org/officeDocument/2006/relationships" r:embed="rId7">
+            <a:extLst>
+              <a:ext uri="{28A0092B-C50C-407E-A947-70E740481C1C}">
+                <a14:useLocalDpi xmlns:a14="http://schemas.microsoft.com/office/drawing/2010/main" val="0"/>
+              </a:ext>
+              <a:ext uri="{96DAC541-7B7A-43D3-8B79-37D633B846F1}">
+                <asvg:svgBlip xmlns:asvg="http://schemas.microsoft.com/office/drawing/2016/SVG/main" r:embed="rId8"/>
+              </a:ext>
+            </a:extLst>
+          </a:blip>
+          <a:stretch>
+            <a:fillRect/>
+          </a:stretch>
+        </a:blipFill>
+        <a:ln w="12700" cap="flat" cmpd="sng" algn="ctr">
+          <a:solidFill>
+            <a:schemeClr val="lt1">
+              <a:hueOff val="0"/>
+              <a:satOff val="0"/>
+              <a:lumOff val="0"/>
+              <a:alphaOff val="0"/>
+            </a:schemeClr>
+          </a:solidFill>
+          <a:prstDash val="solid"/>
+          <a:miter lim="800000"/>
+        </a:ln>
+        <a:effectLst/>
+      </dsp:spPr>
+      <dsp:style>
+        <a:lnRef idx="2">
+          <a:scrgbClr r="0" g="0" b="0"/>
+        </a:lnRef>
+        <a:fillRef idx="1">
+          <a:scrgbClr r="0" g="0" b="0"/>
+        </a:fillRef>
+        <a:effectRef idx="0">
+          <a:scrgbClr r="0" g="0" b="0"/>
+        </a:effectRef>
+        <a:fontRef idx="minor">
+          <a:schemeClr val="lt1"/>
+        </a:fontRef>
+      </dsp:style>
+    </dsp:sp>
+    <dsp:sp modelId="{07C52C64-C7D6-4A2F-9F08-08AD1CB56923}">
+      <dsp:nvSpPr>
+        <dsp:cNvPr id="0" name=""/>
+        <dsp:cNvSpPr/>
+      </dsp:nvSpPr>
+      <dsp:spPr>
+        <a:xfrm>
+          <a:off x="1033039" y="3355788"/>
+          <a:ext cx="9482560" cy="894406"/>
+        </a:xfrm>
+        <a:prstGeom prst="rect">
+          <a:avLst/>
+        </a:prstGeom>
+        <a:noFill/>
+        <a:ln>
+          <a:noFill/>
+        </a:ln>
+        <a:effectLst/>
+      </dsp:spPr>
+      <dsp:style>
+        <a:lnRef idx="0">
+          <a:scrgbClr r="0" g="0" b="0"/>
+        </a:lnRef>
+        <a:fillRef idx="0">
+          <a:scrgbClr r="0" g="0" b="0"/>
+        </a:fillRef>
+        <a:effectRef idx="0">
+          <a:scrgbClr r="0" g="0" b="0"/>
+        </a:effectRef>
+        <a:fontRef idx="minor"/>
+      </dsp:style>
+      <dsp:txBody>
+        <a:bodyPr spcFirstLastPara="0" vert="horz" wrap="square" lIns="94658" tIns="94658" rIns="94658" bIns="94658" numCol="1" spcCol="1270" anchor="ctr" anchorCtr="0">
+          <a:noAutofit/>
+        </a:bodyPr>
+        <a:lstStyle/>
+        <a:p>
+          <a:pPr marL="0" lvl="0" indent="0" algn="l" defTabSz="977900">
+            <a:lnSpc>
+              <a:spcPct val="100000"/>
+            </a:lnSpc>
+            <a:spcBef>
+              <a:spcPct val="0"/>
+            </a:spcBef>
+            <a:spcAft>
+              <a:spcPct val="35000"/>
+            </a:spcAft>
+            <a:buNone/>
+          </a:pPr>
+          <a:r>
+            <a:rPr lang="pt-BR" sz="2200" kern="1200"/>
+            <a:t>Facil acesso ao sistema</a:t>
+          </a:r>
+          <a:endParaRPr lang="en-US" sz="2200" kern="1200"/>
+        </a:p>
+      </dsp:txBody>
+      <dsp:txXfrm>
+        <a:off x="1033039" y="3355788"/>
+        <a:ext cx="9482560" cy="894406"/>
+      </dsp:txXfrm>
+    </dsp:sp>
+  </dsp:spTree>
+</dsp:drawing>
+</file>
+
 <file path=ppt/diagrams/layout1.xml><?xml version="1.0" encoding="utf-8"?>
 <dgm:layoutDef xmlns:dgm="http://schemas.openxmlformats.org/drawingml/2006/diagram" xmlns:a="http://schemas.openxmlformats.org/drawingml/2006/main" uniqueId="urn:microsoft.com/office/officeart/2018/2/layout/IconCircleList">
   <dgm:title val="Icon Circle List"/>
@@ -4039,6 +5870,300 @@
 </dgm:layoutDef>
 </file>
 
+<file path=ppt/diagrams/layout3.xml><?xml version="1.0" encoding="utf-8"?>
+<dgm:layoutDef xmlns:dgm="http://schemas.openxmlformats.org/drawingml/2006/diagram" xmlns:a="http://schemas.openxmlformats.org/drawingml/2006/main" uniqueId="urn:microsoft.com/office/officeart/2018/2/layout/IconVerticalSolidList">
+  <dgm:title val="Icon Vertical Solid List"/>
+  <dgm:desc val="Use to show a series of visuals from top to bottom with Level 1 or Level 1 and Level 2 text grouped in a shape. Works best with icons or small pictures with lengthier descriptions."/>
+  <dgm:catLst>
+    <dgm:cat type="icon" pri="500"/>
+  </dgm:catLst>
+  <dgm:sampData useDef="1">
+    <dgm:dataModel>
+      <dgm:ptLst/>
+      <dgm:bg/>
+      <dgm:whole/>
+    </dgm:dataModel>
+  </dgm:sampData>
+  <dgm:styleData useDef="1">
+    <dgm:dataModel>
+      <dgm:ptLst/>
+      <dgm:bg/>
+      <dgm:whole/>
+    </dgm:dataModel>
+  </dgm:styleData>
+  <dgm:clrData useDef="1">
+    <dgm:dataModel>
+      <dgm:ptLst/>
+      <dgm:bg/>
+      <dgm:whole/>
+    </dgm:dataModel>
+  </dgm:clrData>
+  <dgm:layoutNode name="root">
+    <dgm:varLst>
+      <dgm:dir/>
+      <dgm:resizeHandles val="exact"/>
+    </dgm:varLst>
+    <dgm:choose name="Name0">
+      <dgm:if name="Name1" axis="self" func="var" arg="dir" op="equ" val="norm">
+        <dgm:alg type="lin">
+          <dgm:param type="linDir" val="fromT"/>
+          <dgm:param type="nodeHorzAlign" val="l"/>
+        </dgm:alg>
+      </dgm:if>
+      <dgm:else name="Name2">
+        <dgm:alg type="lin">
+          <dgm:param type="linDir" val="fromT"/>
+          <dgm:param type="nodeHorzAlign" val="r"/>
+        </dgm:alg>
+      </dgm:else>
+    </dgm:choose>
+    <dgm:shape xmlns:r="http://schemas.openxmlformats.org/officeDocument/2006/relationships" r:blip="">
+      <dgm:adjLst/>
+    </dgm:shape>
+    <dgm:presOf/>
+    <dgm:choose name="Name3">
+      <dgm:if name="Name4" axis="ch" ptType="node" func="cnt" op="lte" val="3">
+        <dgm:constrLst>
+          <dgm:constr type="h" for="ch" forName="compNode" refType="h" fact="0.3"/>
+          <dgm:constr type="w" for="ch" forName="compNode" refType="w"/>
+          <dgm:constr type="h" for="ch" forName="sibTrans" refType="h" refFor="ch" refForName="compNode" fact="0.25"/>
+          <dgm:constr type="primFontSz" for="des" forName="parTx" val="25"/>
+          <dgm:constr type="primFontSz" for="des" forName="desTx" refType="primFontSz" refFor="des" refForName="parTx" op="lte" fact="0.75"/>
+          <dgm:constr type="h" for="des" forName="compNode" op="equ"/>
+          <dgm:constr type="h" for="des" forName="bgRect" op="equ"/>
+          <dgm:constr type="h" for="des" forName="iconRect" op="equ"/>
+          <dgm:constr type="w" for="des" forName="iconRect" op="equ"/>
+          <dgm:constr type="h" for="des" forName="spaceRect" op="equ"/>
+          <dgm:constr type="h" for="des" forName="parTx" op="equ"/>
+          <dgm:constr type="h" for="des" forName="desTx" op="equ"/>
+        </dgm:constrLst>
+      </dgm:if>
+      <dgm:if name="Name5" axis="ch" ptType="node" func="cnt" op="lte" val="4">
+        <dgm:constrLst>
+          <dgm:constr type="h" for="ch" forName="compNode" refType="h" fact="0.3"/>
+          <dgm:constr type="w" for="ch" forName="compNode" refType="w"/>
+          <dgm:constr type="h" for="ch" forName="sibTrans" refType="h" refFor="ch" refForName="compNode" fact="0.25"/>
+          <dgm:constr type="primFontSz" for="des" forName="parTx" val="22"/>
+          <dgm:constr type="primFontSz" for="des" forName="desTx" refType="primFontSz" refFor="des" refForName="parTx" op="lte" fact="0.75"/>
+          <dgm:constr type="h" for="des" forName="compNode" op="equ"/>
+          <dgm:constr type="h" for="des" forName="bgRect" op="equ"/>
+          <dgm:constr type="h" for="des" forName="iconRect" op="equ"/>
+          <dgm:constr type="w" for="des" forName="iconRect" op="equ"/>
+          <dgm:constr type="h" for="des" forName="spaceRect" op="equ"/>
+          <dgm:constr type="h" for="des" forName="parTx" op="equ"/>
+          <dgm:constr type="h" for="des" forName="desTx" op="equ"/>
+        </dgm:constrLst>
+      </dgm:if>
+      <dgm:if name="Name6" axis="ch" ptType="node" func="cnt" op="lte" val="6">
+        <dgm:constrLst>
+          <dgm:constr type="h" for="ch" forName="compNode" refType="h" fact="0.3"/>
+          <dgm:constr type="w" for="ch" forName="compNode" refType="w"/>
+          <dgm:constr type="h" for="ch" forName="sibTrans" refType="h" refFor="ch" refForName="compNode" fact="0.25"/>
+          <dgm:constr type="primFontSz" for="des" forName="parTx" val="19"/>
+          <dgm:constr type="primFontSz" for="des" forName="desTx" refType="primFontSz" refFor="des" refForName="parTx" op="lte" fact="0.75"/>
+          <dgm:constr type="h" for="des" forName="compNode" op="equ"/>
+          <dgm:constr type="h" for="des" forName="bgRect" op="equ"/>
+          <dgm:constr type="h" for="des" forName="iconRect" op="equ"/>
+          <dgm:constr type="w" for="des" forName="iconRect" op="equ"/>
+          <dgm:constr type="h" for="des" forName="spaceRect" op="equ"/>
+          <dgm:constr type="h" for="des" forName="parTx" op="equ"/>
+          <dgm:constr type="h" for="des" forName="desTx" op="equ"/>
+        </dgm:constrLst>
+      </dgm:if>
+      <dgm:else name="Name7">
+        <dgm:constrLst>
+          <dgm:constr type="h" for="ch" forName="compNode" refType="h" fact="0.3"/>
+          <dgm:constr type="w" for="ch" forName="compNode" refType="w"/>
+          <dgm:constr type="h" for="ch" forName="sibTrans" refType="h" refFor="ch" refForName="compNode" fact="0.25"/>
+          <dgm:constr type="primFontSz" for="des" forName="parTx" val="16"/>
+          <dgm:constr type="primFontSz" for="des" forName="desTx" refType="primFontSz" refFor="des" refForName="parTx" op="lte" fact="0.75"/>
+          <dgm:constr type="h" for="des" forName="compNode" op="equ"/>
+          <dgm:constr type="h" for="des" forName="bgRect" op="equ"/>
+          <dgm:constr type="h" for="des" forName="iconRect" op="equ"/>
+          <dgm:constr type="w" for="des" forName="iconRect" op="equ"/>
+          <dgm:constr type="h" for="des" forName="spaceRect" op="equ"/>
+          <dgm:constr type="h" for="des" forName="parTx" op="equ"/>
+          <dgm:constr type="h" for="des" forName="desTx" op="equ"/>
+        </dgm:constrLst>
+      </dgm:else>
+    </dgm:choose>
+    <dgm:ruleLst>
+      <dgm:rule type="h" for="ch" forName="compNode" val="0" fact="NaN" max="NaN"/>
+    </dgm:ruleLst>
+    <dgm:forEach name="Name8" axis="ch" ptType="node">
+      <dgm:layoutNode name="compNode">
+        <dgm:alg type="composite"/>
+        <dgm:shape xmlns:r="http://schemas.openxmlformats.org/officeDocument/2006/relationships" r:blip="">
+          <dgm:adjLst/>
+        </dgm:shape>
+        <dgm:presOf axis="self"/>
+        <dgm:choose name="Name9">
+          <dgm:if name="Name10" axis="ch" ptType="node" func="cnt" op="gte" val="1">
+            <dgm:constrLst>
+              <dgm:constr type="w" for="ch" forName="bgRect" refType="w"/>
+              <dgm:constr type="h" for="ch" forName="bgRect" refType="h"/>
+              <dgm:constr type="l" for="ch" forName="bgRect"/>
+              <dgm:constr type="t" for="ch" forName="bgRect"/>
+              <dgm:constr type="h" for="ch" forName="iconRect" refType="h" fact="0.55"/>
+              <dgm:constr type="w" for="ch" forName="iconRect" refType="h" refFor="ch" refForName="iconRect"/>
+              <dgm:constr type="l" for="ch" forName="iconRect" refType="h" refFor="ch" refForName="iconRect" fact="0.55"/>
+              <dgm:constr type="ctrY" for="ch" forName="iconRect" refType="ctrY" refFor="ch" refForName="bgRect"/>
+              <dgm:constr type="w" for="ch" forName="spaceRect" refType="l" refFor="ch" refForName="iconRect"/>
+              <dgm:constr type="h" for="ch" forName="spaceRect" refType="h"/>
+              <dgm:constr type="l" for="ch" forName="spaceRect" refType="r" refFor="ch" refForName="iconRect"/>
+              <dgm:constr type="t" for="ch" forName="spaceRect"/>
+              <dgm:constr type="w" for="ch" forName="parTx" refType="w" fact="0.45"/>
+              <dgm:constr type="h" for="ch" forName="parTx" refType="h"/>
+              <dgm:constr type="l" for="ch" forName="parTx" refType="r" refFor="ch" refForName="spaceRect"/>
+              <dgm:constr type="t" for="ch" forName="parTx"/>
+              <dgm:constr type="h" for="ch" forName="desTx" refType="h"/>
+              <dgm:constr type="l" for="ch" forName="desTx" refType="r" refFor="ch" refForName="parTx"/>
+              <dgm:constr type="t" for="ch" forName="desTx"/>
+            </dgm:constrLst>
+          </dgm:if>
+          <dgm:else name="Name11">
+            <dgm:constrLst>
+              <dgm:constr type="w" for="ch" forName="bgRect" refType="w"/>
+              <dgm:constr type="h" for="ch" forName="bgRect" refType="h"/>
+              <dgm:constr type="l" for="ch" forName="bgRect"/>
+              <dgm:constr type="t" for="ch" forName="bgRect"/>
+              <dgm:constr type="h" for="ch" forName="iconRect" refType="h" fact="0.55"/>
+              <dgm:constr type="w" for="ch" forName="iconRect" refType="h" refFor="ch" refForName="iconRect"/>
+              <dgm:constr type="l" for="ch" forName="iconRect" refType="h" refFor="ch" refForName="iconRect" fact="0.55"/>
+              <dgm:constr type="ctrY" for="ch" forName="iconRect" refType="ctrY" refFor="ch" refForName="bgRect"/>
+              <dgm:constr type="w" for="ch" forName="spaceRect" refType="l" refFor="ch" refForName="iconRect"/>
+              <dgm:constr type="h" for="ch" forName="spaceRect" refType="h"/>
+              <dgm:constr type="l" for="ch" forName="spaceRect" refType="r" refFor="ch" refForName="iconRect"/>
+              <dgm:constr type="t" for="ch" forName="spaceRect"/>
+              <dgm:constr type="h" for="ch" forName="parTx" refType="h"/>
+              <dgm:constr type="l" for="ch" forName="parTx" refType="r" refFor="ch" refForName="spaceRect"/>
+              <dgm:constr type="t" for="ch" forName="parTx"/>
+            </dgm:constrLst>
+          </dgm:else>
+        </dgm:choose>
+        <dgm:ruleLst>
+          <dgm:rule type="h" val="INF" fact="NaN" max="NaN"/>
+        </dgm:ruleLst>
+        <dgm:layoutNode name="bgRect" styleLbl="bgShp">
+          <dgm:alg type="sp"/>
+          <dgm:shape xmlns:r="http://schemas.openxmlformats.org/officeDocument/2006/relationships" type="roundRect" r:blip="">
+            <dgm:adjLst>
+              <dgm:adj idx="1" val="0.1"/>
+            </dgm:adjLst>
+          </dgm:shape>
+          <dgm:presOf/>
+          <dgm:constrLst/>
+          <dgm:ruleLst/>
+        </dgm:layoutNode>
+        <dgm:layoutNode name="iconRect" styleLbl="node1">
+          <dgm:alg type="sp"/>
+          <dgm:shape xmlns:r="http://schemas.openxmlformats.org/officeDocument/2006/relationships" type="rect" r:blip="" blipPhldr="1">
+            <dgm:adjLst/>
+          </dgm:shape>
+          <dgm:presOf/>
+          <dgm:constrLst/>
+          <dgm:ruleLst/>
+        </dgm:layoutNode>
+        <dgm:layoutNode name="spaceRect">
+          <dgm:alg type="sp"/>
+          <dgm:shape xmlns:r="http://schemas.openxmlformats.org/officeDocument/2006/relationships" r:blip="">
+            <dgm:adjLst/>
+          </dgm:shape>
+          <dgm:presOf/>
+          <dgm:constrLst/>
+          <dgm:ruleLst/>
+        </dgm:layoutNode>
+        <dgm:layoutNode name="parTx" styleLbl="revTx">
+          <dgm:varLst>
+            <dgm:chMax val="0"/>
+            <dgm:chPref val="0"/>
+          </dgm:varLst>
+          <dgm:alg type="tx">
+            <dgm:param type="txAnchorVert" val="mid"/>
+            <dgm:param type="parTxLTRAlign" val="l"/>
+            <dgm:param type="shpTxLTRAlignCh" val="l"/>
+            <dgm:param type="parTxRTLAlign" val="r"/>
+            <dgm:param type="shpTxRTLAlignCh" val="r"/>
+          </dgm:alg>
+          <dgm:shape xmlns:r="http://schemas.openxmlformats.org/officeDocument/2006/relationships" type="rect" r:blip="">
+            <dgm:adjLst/>
+          </dgm:shape>
+          <dgm:presOf axis="self" ptType="node"/>
+          <dgm:constrLst>
+            <dgm:constr type="lMarg" refType="h" fact="0.3"/>
+            <dgm:constr type="rMarg" refType="h" fact="0.3"/>
+            <dgm:constr type="tMarg" refType="h" fact="0.3"/>
+            <dgm:constr type="bMarg" refType="h" fact="0.3"/>
+          </dgm:constrLst>
+          <dgm:ruleLst>
+            <dgm:rule type="primFontSz" val="14" fact="NaN" max="NaN"/>
+            <dgm:rule type="h" val="INF" fact="NaN" max="NaN"/>
+          </dgm:ruleLst>
+        </dgm:layoutNode>
+        <dgm:choose name="Name12">
+          <dgm:if name="Name13" axis="ch" ptType="node" func="cnt" op="gte" val="1">
+            <dgm:layoutNode name="desTx" styleLbl="revTx">
+              <dgm:varLst/>
+              <dgm:alg type="tx">
+                <dgm:param type="txAnchorVertCh" val="mid"/>
+                <dgm:param type="parTxLTRAlign" val="l"/>
+                <dgm:param type="shpTxLTRAlignCh" val="l"/>
+                <dgm:param type="parTxRTLAlign" val="r"/>
+                <dgm:param type="shpTxRTLAlignCh" val="r"/>
+                <dgm:param type="stBulletLvl" val="0"/>
+              </dgm:alg>
+              <dgm:shape xmlns:r="http://schemas.openxmlformats.org/officeDocument/2006/relationships" type="rect" r:blip="">
+                <dgm:adjLst/>
+              </dgm:shape>
+              <dgm:presOf axis="des" ptType="node"/>
+              <dgm:constrLst>
+                <dgm:constr type="primFontSz" val="18"/>
+                <dgm:constr type="secFontSz" refType="primFontSz"/>
+                <dgm:constr type="lMarg" refType="h" fact="0.3"/>
+                <dgm:constr type="rMarg" refType="h" fact="0.3"/>
+                <dgm:constr type="tMarg" refType="h" fact="0.3"/>
+                <dgm:constr type="bMarg" refType="h" fact="0.3"/>
+              </dgm:constrLst>
+              <dgm:ruleLst>
+                <dgm:rule type="primFontSz" val="11" fact="NaN" max="NaN"/>
+              </dgm:ruleLst>
+            </dgm:layoutNode>
+          </dgm:if>
+          <dgm:else name="Name14"/>
+        </dgm:choose>
+      </dgm:layoutNode>
+      <dgm:forEach name="Name15" axis="followSib" ptType="sibTrans" cnt="1">
+        <dgm:layoutNode name="sibTrans">
+          <dgm:alg type="sp"/>
+          <dgm:shape xmlns:r="http://schemas.openxmlformats.org/officeDocument/2006/relationships" r:blip="">
+            <dgm:adjLst/>
+          </dgm:shape>
+          <dgm:presOf axis="self"/>
+          <dgm:constrLst/>
+          <dgm:ruleLst/>
+        </dgm:layoutNode>
+      </dgm:forEach>
+    </dgm:forEach>
+  </dgm:layoutNode>
+  <dgm:extLst>
+    <a:ext uri="{68A01E43-0DF5-4B5B-8FA6-DAF915123BFB}">
+      <dgm1612:lstStyle xmlns:dgm1612="http://schemas.microsoft.com/office/drawing/2016/12/diagram">
+        <a:lvl1pPr>
+          <a:lnSpc>
+            <a:spcPct val="100000"/>
+          </a:lnSpc>
+        </a:lvl1pPr>
+        <a:lvl2pPr>
+          <a:lnSpc>
+            <a:spcPct val="100000"/>
+          </a:lnSpc>
+        </a:lvl2pPr>
+      </dgm1612:lstStyle>
+    </a:ext>
+  </dgm:extLst>
+</dgm:layoutDef>
+</file>
+
 <file path=ppt/diagrams/quickStyle1.xml><?xml version="1.0" encoding="utf-8"?>
 <dgm:styleDef xmlns:dgm="http://schemas.openxmlformats.org/drawingml/2006/diagram" xmlns:a="http://schemas.openxmlformats.org/drawingml/2006/main" uniqueId="urn:microsoft.com/office/officeart/2005/8/quickstyle/simple1">
   <dgm:title val=""/>
@@ -5074,6 +7199,1040 @@
 </file>
 
 <file path=ppt/diagrams/quickStyle2.xml><?xml version="1.0" encoding="utf-8"?>
+<dgm:styleDef xmlns:dgm="http://schemas.openxmlformats.org/drawingml/2006/diagram" xmlns:a="http://schemas.openxmlformats.org/drawingml/2006/main" uniqueId="urn:microsoft.com/office/officeart/2005/8/quickstyle/simple1">
+  <dgm:title val=""/>
+  <dgm:desc val=""/>
+  <dgm:catLst>
+    <dgm:cat type="simple" pri="10100"/>
+  </dgm:catLst>
+  <dgm:scene3d>
+    <a:camera prst="orthographicFront"/>
+    <a:lightRig rig="threePt" dir="t"/>
+  </dgm:scene3d>
+  <dgm:styleLbl name="node0">
+    <dgm:scene3d>
+      <a:camera prst="orthographicFront"/>
+      <a:lightRig rig="threePt" dir="t"/>
+    </dgm:scene3d>
+    <dgm:sp3d/>
+    <dgm:txPr/>
+    <dgm:style>
+      <a:lnRef idx="2">
+        <a:scrgbClr r="0" g="0" b="0"/>
+      </a:lnRef>
+      <a:fillRef idx="1">
+        <a:scrgbClr r="0" g="0" b="0"/>
+      </a:fillRef>
+      <a:effectRef idx="0">
+        <a:scrgbClr r="0" g="0" b="0"/>
+      </a:effectRef>
+      <a:fontRef idx="minor">
+        <a:schemeClr val="lt1"/>
+      </a:fontRef>
+    </dgm:style>
+  </dgm:styleLbl>
+  <dgm:styleLbl name="lnNode1">
+    <dgm:scene3d>
+      <a:camera prst="orthographicFront"/>
+      <a:lightRig rig="threePt" dir="t"/>
+    </dgm:scene3d>
+    <dgm:sp3d/>
+    <dgm:txPr/>
+    <dgm:style>
+      <a:lnRef idx="2">
+        <a:scrgbClr r="0" g="0" b="0"/>
+      </a:lnRef>
+      <a:fillRef idx="1">
+        <a:scrgbClr r="0" g="0" b="0"/>
+      </a:fillRef>
+      <a:effectRef idx="0">
+        <a:scrgbClr r="0" g="0" b="0"/>
+      </a:effectRef>
+      <a:fontRef idx="minor">
+        <a:schemeClr val="lt1"/>
+      </a:fontRef>
+    </dgm:style>
+  </dgm:styleLbl>
+  <dgm:styleLbl name="vennNode1">
+    <dgm:scene3d>
+      <a:camera prst="orthographicFront"/>
+      <a:lightRig rig="threePt" dir="t"/>
+    </dgm:scene3d>
+    <dgm:sp3d/>
+    <dgm:txPr/>
+    <dgm:style>
+      <a:lnRef idx="2">
+        <a:scrgbClr r="0" g="0" b="0"/>
+      </a:lnRef>
+      <a:fillRef idx="1">
+        <a:scrgbClr r="0" g="0" b="0"/>
+      </a:fillRef>
+      <a:effectRef idx="0">
+        <a:scrgbClr r="0" g="0" b="0"/>
+      </a:effectRef>
+      <a:fontRef idx="minor">
+        <a:schemeClr val="tx1"/>
+      </a:fontRef>
+    </dgm:style>
+  </dgm:styleLbl>
+  <dgm:styleLbl name="alignNode1">
+    <dgm:scene3d>
+      <a:camera prst="orthographicFront"/>
+      <a:lightRig rig="threePt" dir="t"/>
+    </dgm:scene3d>
+    <dgm:sp3d/>
+    <dgm:txPr/>
+    <dgm:style>
+      <a:lnRef idx="2">
+        <a:scrgbClr r="0" g="0" b="0"/>
+      </a:lnRef>
+      <a:fillRef idx="1">
+        <a:scrgbClr r="0" g="0" b="0"/>
+      </a:fillRef>
+      <a:effectRef idx="0">
+        <a:scrgbClr r="0" g="0" b="0"/>
+      </a:effectRef>
+      <a:fontRef idx="minor">
+        <a:schemeClr val="lt1"/>
+      </a:fontRef>
+    </dgm:style>
+  </dgm:styleLbl>
+  <dgm:styleLbl name="node1">
+    <dgm:scene3d>
+      <a:camera prst="orthographicFront"/>
+      <a:lightRig rig="threePt" dir="t"/>
+    </dgm:scene3d>
+    <dgm:sp3d/>
+    <dgm:txPr/>
+    <dgm:style>
+      <a:lnRef idx="2">
+        <a:scrgbClr r="0" g="0" b="0"/>
+      </a:lnRef>
+      <a:fillRef idx="1">
+        <a:scrgbClr r="0" g="0" b="0"/>
+      </a:fillRef>
+      <a:effectRef idx="0">
+        <a:scrgbClr r="0" g="0" b="0"/>
+      </a:effectRef>
+      <a:fontRef idx="minor">
+        <a:schemeClr val="lt1"/>
+      </a:fontRef>
+    </dgm:style>
+  </dgm:styleLbl>
+  <dgm:styleLbl name="node2">
+    <dgm:scene3d>
+      <a:camera prst="orthographicFront"/>
+      <a:lightRig rig="threePt" dir="t"/>
+    </dgm:scene3d>
+    <dgm:sp3d/>
+    <dgm:txPr/>
+    <dgm:style>
+      <a:lnRef idx="2">
+        <a:scrgbClr r="0" g="0" b="0"/>
+      </a:lnRef>
+      <a:fillRef idx="1">
+        <a:scrgbClr r="0" g="0" b="0"/>
+      </a:fillRef>
+      <a:effectRef idx="0">
+        <a:scrgbClr r="0" g="0" b="0"/>
+      </a:effectRef>
+      <a:fontRef idx="minor">
+        <a:schemeClr val="lt1"/>
+      </a:fontRef>
+    </dgm:style>
+  </dgm:styleLbl>
+  <dgm:styleLbl name="node3">
+    <dgm:scene3d>
+      <a:camera prst="orthographicFront"/>
+      <a:lightRig rig="threePt" dir="t"/>
+    </dgm:scene3d>
+    <dgm:sp3d/>
+    <dgm:txPr/>
+    <dgm:style>
+      <a:lnRef idx="2">
+        <a:scrgbClr r="0" g="0" b="0"/>
+      </a:lnRef>
+      <a:fillRef idx="1">
+        <a:scrgbClr r="0" g="0" b="0"/>
+      </a:fillRef>
+      <a:effectRef idx="0">
+        <a:scrgbClr r="0" g="0" b="0"/>
+      </a:effectRef>
+      <a:fontRef idx="minor">
+        <a:schemeClr val="lt1"/>
+      </a:fontRef>
+    </dgm:style>
+  </dgm:styleLbl>
+  <dgm:styleLbl name="node4">
+    <dgm:scene3d>
+      <a:camera prst="orthographicFront"/>
+      <a:lightRig rig="threePt" dir="t"/>
+    </dgm:scene3d>
+    <dgm:sp3d/>
+    <dgm:txPr/>
+    <dgm:style>
+      <a:lnRef idx="2">
+        <a:scrgbClr r="0" g="0" b="0"/>
+      </a:lnRef>
+      <a:fillRef idx="1">
+        <a:scrgbClr r="0" g="0" b="0"/>
+      </a:fillRef>
+      <a:effectRef idx="0">
+        <a:scrgbClr r="0" g="0" b="0"/>
+      </a:effectRef>
+      <a:fontRef idx="minor">
+        <a:schemeClr val="lt1"/>
+      </a:fontRef>
+    </dgm:style>
+  </dgm:styleLbl>
+  <dgm:styleLbl name="fgImgPlace1">
+    <dgm:scene3d>
+      <a:camera prst="orthographicFront"/>
+      <a:lightRig rig="threePt" dir="t"/>
+    </dgm:scene3d>
+    <dgm:sp3d/>
+    <dgm:txPr/>
+    <dgm:style>
+      <a:lnRef idx="2">
+        <a:scrgbClr r="0" g="0" b="0"/>
+      </a:lnRef>
+      <a:fillRef idx="1">
+        <a:scrgbClr r="0" g="0" b="0"/>
+      </a:fillRef>
+      <a:effectRef idx="0">
+        <a:scrgbClr r="0" g="0" b="0"/>
+      </a:effectRef>
+      <a:fontRef idx="minor"/>
+    </dgm:style>
+  </dgm:styleLbl>
+  <dgm:styleLbl name="alignImgPlace1">
+    <dgm:scene3d>
+      <a:camera prst="orthographicFront"/>
+      <a:lightRig rig="threePt" dir="t"/>
+    </dgm:scene3d>
+    <dgm:sp3d/>
+    <dgm:txPr/>
+    <dgm:style>
+      <a:lnRef idx="2">
+        <a:scrgbClr r="0" g="0" b="0"/>
+      </a:lnRef>
+      <a:fillRef idx="1">
+        <a:scrgbClr r="0" g="0" b="0"/>
+      </a:fillRef>
+      <a:effectRef idx="0">
+        <a:scrgbClr r="0" g="0" b="0"/>
+      </a:effectRef>
+      <a:fontRef idx="minor"/>
+    </dgm:style>
+  </dgm:styleLbl>
+  <dgm:styleLbl name="bgImgPlace1">
+    <dgm:scene3d>
+      <a:camera prst="orthographicFront"/>
+      <a:lightRig rig="threePt" dir="t"/>
+    </dgm:scene3d>
+    <dgm:sp3d/>
+    <dgm:txPr/>
+    <dgm:style>
+      <a:lnRef idx="2">
+        <a:scrgbClr r="0" g="0" b="0"/>
+      </a:lnRef>
+      <a:fillRef idx="1">
+        <a:scrgbClr r="0" g="0" b="0"/>
+      </a:fillRef>
+      <a:effectRef idx="0">
+        <a:scrgbClr r="0" g="0" b="0"/>
+      </a:effectRef>
+      <a:fontRef idx="minor"/>
+    </dgm:style>
+  </dgm:styleLbl>
+  <dgm:styleLbl name="sibTrans2D1">
+    <dgm:scene3d>
+      <a:camera prst="orthographicFront"/>
+      <a:lightRig rig="threePt" dir="t"/>
+    </dgm:scene3d>
+    <dgm:sp3d/>
+    <dgm:txPr/>
+    <dgm:style>
+      <a:lnRef idx="0">
+        <a:scrgbClr r="0" g="0" b="0"/>
+      </a:lnRef>
+      <a:fillRef idx="1">
+        <a:scrgbClr r="0" g="0" b="0"/>
+      </a:fillRef>
+      <a:effectRef idx="0">
+        <a:scrgbClr r="0" g="0" b="0"/>
+      </a:effectRef>
+      <a:fontRef idx="minor">
+        <a:schemeClr val="lt1"/>
+      </a:fontRef>
+    </dgm:style>
+  </dgm:styleLbl>
+  <dgm:styleLbl name="fgSibTrans2D1">
+    <dgm:scene3d>
+      <a:camera prst="orthographicFront"/>
+      <a:lightRig rig="threePt" dir="t"/>
+    </dgm:scene3d>
+    <dgm:sp3d/>
+    <dgm:txPr/>
+    <dgm:style>
+      <a:lnRef idx="0">
+        <a:scrgbClr r="0" g="0" b="0"/>
+      </a:lnRef>
+      <a:fillRef idx="1">
+        <a:scrgbClr r="0" g="0" b="0"/>
+      </a:fillRef>
+      <a:effectRef idx="0">
+        <a:scrgbClr r="0" g="0" b="0"/>
+      </a:effectRef>
+      <a:fontRef idx="minor">
+        <a:schemeClr val="lt1"/>
+      </a:fontRef>
+    </dgm:style>
+  </dgm:styleLbl>
+  <dgm:styleLbl name="bgSibTrans2D1">
+    <dgm:scene3d>
+      <a:camera prst="orthographicFront"/>
+      <a:lightRig rig="threePt" dir="t"/>
+    </dgm:scene3d>
+    <dgm:sp3d/>
+    <dgm:txPr/>
+    <dgm:style>
+      <a:lnRef idx="0">
+        <a:scrgbClr r="0" g="0" b="0"/>
+      </a:lnRef>
+      <a:fillRef idx="1">
+        <a:scrgbClr r="0" g="0" b="0"/>
+      </a:fillRef>
+      <a:effectRef idx="0">
+        <a:scrgbClr r="0" g="0" b="0"/>
+      </a:effectRef>
+      <a:fontRef idx="minor">
+        <a:schemeClr val="lt1"/>
+      </a:fontRef>
+    </dgm:style>
+  </dgm:styleLbl>
+  <dgm:styleLbl name="sibTrans1D1">
+    <dgm:scene3d>
+      <a:camera prst="orthographicFront"/>
+      <a:lightRig rig="threePt" dir="t"/>
+    </dgm:scene3d>
+    <dgm:sp3d/>
+    <dgm:txPr/>
+    <dgm:style>
+      <a:lnRef idx="1">
+        <a:scrgbClr r="0" g="0" b="0"/>
+      </a:lnRef>
+      <a:fillRef idx="0">
+        <a:scrgbClr r="0" g="0" b="0"/>
+      </a:fillRef>
+      <a:effectRef idx="0">
+        <a:scrgbClr r="0" g="0" b="0"/>
+      </a:effectRef>
+      <a:fontRef idx="minor"/>
+    </dgm:style>
+  </dgm:styleLbl>
+  <dgm:styleLbl name="callout">
+    <dgm:scene3d>
+      <a:camera prst="orthographicFront"/>
+      <a:lightRig rig="threePt" dir="t"/>
+    </dgm:scene3d>
+    <dgm:sp3d/>
+    <dgm:txPr/>
+    <dgm:style>
+      <a:lnRef idx="2">
+        <a:scrgbClr r="0" g="0" b="0"/>
+      </a:lnRef>
+      <a:fillRef idx="1">
+        <a:scrgbClr r="0" g="0" b="0"/>
+      </a:fillRef>
+      <a:effectRef idx="0">
+        <a:scrgbClr r="0" g="0" b="0"/>
+      </a:effectRef>
+      <a:fontRef idx="minor"/>
+    </dgm:style>
+  </dgm:styleLbl>
+  <dgm:styleLbl name="asst0">
+    <dgm:scene3d>
+      <a:camera prst="orthographicFront"/>
+      <a:lightRig rig="threePt" dir="t"/>
+    </dgm:scene3d>
+    <dgm:sp3d/>
+    <dgm:txPr/>
+    <dgm:style>
+      <a:lnRef idx="2">
+        <a:scrgbClr r="0" g="0" b="0"/>
+      </a:lnRef>
+      <a:fillRef idx="1">
+        <a:scrgbClr r="0" g="0" b="0"/>
+      </a:fillRef>
+      <a:effectRef idx="0">
+        <a:scrgbClr r="0" g="0" b="0"/>
+      </a:effectRef>
+      <a:fontRef idx="minor">
+        <a:schemeClr val="lt1"/>
+      </a:fontRef>
+    </dgm:style>
+  </dgm:styleLbl>
+  <dgm:styleLbl name="asst1">
+    <dgm:scene3d>
+      <a:camera prst="orthographicFront"/>
+      <a:lightRig rig="threePt" dir="t"/>
+    </dgm:scene3d>
+    <dgm:sp3d/>
+    <dgm:txPr/>
+    <dgm:style>
+      <a:lnRef idx="2">
+        <a:scrgbClr r="0" g="0" b="0"/>
+      </a:lnRef>
+      <a:fillRef idx="1">
+        <a:scrgbClr r="0" g="0" b="0"/>
+      </a:fillRef>
+      <a:effectRef idx="0">
+        <a:scrgbClr r="0" g="0" b="0"/>
+      </a:effectRef>
+      <a:fontRef idx="minor">
+        <a:schemeClr val="lt1"/>
+      </a:fontRef>
+    </dgm:style>
+  </dgm:styleLbl>
+  <dgm:styleLbl name="asst2">
+    <dgm:scene3d>
+      <a:camera prst="orthographicFront"/>
+      <a:lightRig rig="threePt" dir="t"/>
+    </dgm:scene3d>
+    <dgm:sp3d/>
+    <dgm:txPr/>
+    <dgm:style>
+      <a:lnRef idx="2">
+        <a:scrgbClr r="0" g="0" b="0"/>
+      </a:lnRef>
+      <a:fillRef idx="1">
+        <a:scrgbClr r="0" g="0" b="0"/>
+      </a:fillRef>
+      <a:effectRef idx="0">
+        <a:scrgbClr r="0" g="0" b="0"/>
+      </a:effectRef>
+      <a:fontRef idx="minor">
+        <a:schemeClr val="lt1"/>
+      </a:fontRef>
+    </dgm:style>
+  </dgm:styleLbl>
+  <dgm:styleLbl name="asst3">
+    <dgm:scene3d>
+      <a:camera prst="orthographicFront"/>
+      <a:lightRig rig="threePt" dir="t"/>
+    </dgm:scene3d>
+    <dgm:sp3d/>
+    <dgm:txPr/>
+    <dgm:style>
+      <a:lnRef idx="2">
+        <a:scrgbClr r="0" g="0" b="0"/>
+      </a:lnRef>
+      <a:fillRef idx="1">
+        <a:scrgbClr r="0" g="0" b="0"/>
+      </a:fillRef>
+      <a:effectRef idx="0">
+        <a:scrgbClr r="0" g="0" b="0"/>
+      </a:effectRef>
+      <a:fontRef idx="minor">
+        <a:schemeClr val="lt1"/>
+      </a:fontRef>
+    </dgm:style>
+  </dgm:styleLbl>
+  <dgm:styleLbl name="asst4">
+    <dgm:scene3d>
+      <a:camera prst="orthographicFront"/>
+      <a:lightRig rig="threePt" dir="t"/>
+    </dgm:scene3d>
+    <dgm:sp3d/>
+    <dgm:txPr/>
+    <dgm:style>
+      <a:lnRef idx="2">
+        <a:scrgbClr r="0" g="0" b="0"/>
+      </a:lnRef>
+      <a:fillRef idx="1">
+        <a:scrgbClr r="0" g="0" b="0"/>
+      </a:fillRef>
+      <a:effectRef idx="0">
+        <a:scrgbClr r="0" g="0" b="0"/>
+      </a:effectRef>
+      <a:fontRef idx="minor">
+        <a:schemeClr val="lt1"/>
+      </a:fontRef>
+    </dgm:style>
+  </dgm:styleLbl>
+  <dgm:styleLbl name="parChTrans2D1">
+    <dgm:scene3d>
+      <a:camera prst="orthographicFront"/>
+      <a:lightRig rig="threePt" dir="t"/>
+    </dgm:scene3d>
+    <dgm:sp3d/>
+    <dgm:txPr/>
+    <dgm:style>
+      <a:lnRef idx="2">
+        <a:scrgbClr r="0" g="0" b="0"/>
+      </a:lnRef>
+      <a:fillRef idx="1">
+        <a:scrgbClr r="0" g="0" b="0"/>
+      </a:fillRef>
+      <a:effectRef idx="0">
+        <a:scrgbClr r="0" g="0" b="0"/>
+      </a:effectRef>
+      <a:fontRef idx="minor">
+        <a:schemeClr val="lt1"/>
+      </a:fontRef>
+    </dgm:style>
+  </dgm:styleLbl>
+  <dgm:styleLbl name="parChTrans2D2">
+    <dgm:scene3d>
+      <a:camera prst="orthographicFront"/>
+      <a:lightRig rig="threePt" dir="t"/>
+    </dgm:scene3d>
+    <dgm:sp3d/>
+    <dgm:txPr/>
+    <dgm:style>
+      <a:lnRef idx="2">
+        <a:scrgbClr r="0" g="0" b="0"/>
+      </a:lnRef>
+      <a:fillRef idx="1">
+        <a:scrgbClr r="0" g="0" b="0"/>
+      </a:fillRef>
+      <a:effectRef idx="0">
+        <a:scrgbClr r="0" g="0" b="0"/>
+      </a:effectRef>
+      <a:fontRef idx="minor">
+        <a:schemeClr val="lt1"/>
+      </a:fontRef>
+    </dgm:style>
+  </dgm:styleLbl>
+  <dgm:styleLbl name="parChTrans2D3">
+    <dgm:scene3d>
+      <a:camera prst="orthographicFront"/>
+      <a:lightRig rig="threePt" dir="t"/>
+    </dgm:scene3d>
+    <dgm:sp3d/>
+    <dgm:txPr/>
+    <dgm:style>
+      <a:lnRef idx="2">
+        <a:scrgbClr r="0" g="0" b="0"/>
+      </a:lnRef>
+      <a:fillRef idx="1">
+        <a:scrgbClr r="0" g="0" b="0"/>
+      </a:fillRef>
+      <a:effectRef idx="0">
+        <a:scrgbClr r="0" g="0" b="0"/>
+      </a:effectRef>
+      <a:fontRef idx="minor">
+        <a:schemeClr val="lt1"/>
+      </a:fontRef>
+    </dgm:style>
+  </dgm:styleLbl>
+  <dgm:styleLbl name="parChTrans2D4">
+    <dgm:scene3d>
+      <a:camera prst="orthographicFront"/>
+      <a:lightRig rig="threePt" dir="t"/>
+    </dgm:scene3d>
+    <dgm:sp3d/>
+    <dgm:txPr/>
+    <dgm:style>
+      <a:lnRef idx="2">
+        <a:scrgbClr r="0" g="0" b="0"/>
+      </a:lnRef>
+      <a:fillRef idx="1">
+        <a:scrgbClr r="0" g="0" b="0"/>
+      </a:fillRef>
+      <a:effectRef idx="0">
+        <a:scrgbClr r="0" g="0" b="0"/>
+      </a:effectRef>
+      <a:fontRef idx="minor">
+        <a:schemeClr val="lt1"/>
+      </a:fontRef>
+    </dgm:style>
+  </dgm:styleLbl>
+  <dgm:styleLbl name="parChTrans1D1">
+    <dgm:scene3d>
+      <a:camera prst="orthographicFront"/>
+      <a:lightRig rig="threePt" dir="t"/>
+    </dgm:scene3d>
+    <dgm:sp3d/>
+    <dgm:txPr/>
+    <dgm:style>
+      <a:lnRef idx="2">
+        <a:scrgbClr r="0" g="0" b="0"/>
+      </a:lnRef>
+      <a:fillRef idx="0">
+        <a:scrgbClr r="0" g="0" b="0"/>
+      </a:fillRef>
+      <a:effectRef idx="0">
+        <a:scrgbClr r="0" g="0" b="0"/>
+      </a:effectRef>
+      <a:fontRef idx="minor"/>
+    </dgm:style>
+  </dgm:styleLbl>
+  <dgm:styleLbl name="parChTrans1D2">
+    <dgm:scene3d>
+      <a:camera prst="orthographicFront"/>
+      <a:lightRig rig="threePt" dir="t"/>
+    </dgm:scene3d>
+    <dgm:sp3d/>
+    <dgm:txPr/>
+    <dgm:style>
+      <a:lnRef idx="2">
+        <a:scrgbClr r="0" g="0" b="0"/>
+      </a:lnRef>
+      <a:fillRef idx="0">
+        <a:scrgbClr r="0" g="0" b="0"/>
+      </a:fillRef>
+      <a:effectRef idx="0">
+        <a:scrgbClr r="0" g="0" b="0"/>
+      </a:effectRef>
+      <a:fontRef idx="minor"/>
+    </dgm:style>
+  </dgm:styleLbl>
+  <dgm:styleLbl name="parChTrans1D3">
+    <dgm:scene3d>
+      <a:camera prst="orthographicFront"/>
+      <a:lightRig rig="threePt" dir="t"/>
+    </dgm:scene3d>
+    <dgm:sp3d/>
+    <dgm:txPr/>
+    <dgm:style>
+      <a:lnRef idx="2">
+        <a:scrgbClr r="0" g="0" b="0"/>
+      </a:lnRef>
+      <a:fillRef idx="0">
+        <a:scrgbClr r="0" g="0" b="0"/>
+      </a:fillRef>
+      <a:effectRef idx="0">
+        <a:scrgbClr r="0" g="0" b="0"/>
+      </a:effectRef>
+      <a:fontRef idx="minor"/>
+    </dgm:style>
+  </dgm:styleLbl>
+  <dgm:styleLbl name="parChTrans1D4">
+    <dgm:scene3d>
+      <a:camera prst="orthographicFront"/>
+      <a:lightRig rig="threePt" dir="t"/>
+    </dgm:scene3d>
+    <dgm:sp3d/>
+    <dgm:txPr/>
+    <dgm:style>
+      <a:lnRef idx="2">
+        <a:scrgbClr r="0" g="0" b="0"/>
+      </a:lnRef>
+      <a:fillRef idx="0">
+        <a:scrgbClr r="0" g="0" b="0"/>
+      </a:fillRef>
+      <a:effectRef idx="0">
+        <a:scrgbClr r="0" g="0" b="0"/>
+      </a:effectRef>
+      <a:fontRef idx="minor"/>
+    </dgm:style>
+  </dgm:styleLbl>
+  <dgm:styleLbl name="fgAcc1">
+    <dgm:scene3d>
+      <a:camera prst="orthographicFront"/>
+      <a:lightRig rig="threePt" dir="t"/>
+    </dgm:scene3d>
+    <dgm:sp3d/>
+    <dgm:txPr/>
+    <dgm:style>
+      <a:lnRef idx="2">
+        <a:scrgbClr r="0" g="0" b="0"/>
+      </a:lnRef>
+      <a:fillRef idx="1">
+        <a:scrgbClr r="0" g="0" b="0"/>
+      </a:fillRef>
+      <a:effectRef idx="0">
+        <a:scrgbClr r="0" g="0" b="0"/>
+      </a:effectRef>
+      <a:fontRef idx="minor"/>
+    </dgm:style>
+  </dgm:styleLbl>
+  <dgm:styleLbl name="conFgAcc1">
+    <dgm:scene3d>
+      <a:camera prst="orthographicFront"/>
+      <a:lightRig rig="threePt" dir="t"/>
+    </dgm:scene3d>
+    <dgm:sp3d/>
+    <dgm:txPr/>
+    <dgm:style>
+      <a:lnRef idx="2">
+        <a:scrgbClr r="0" g="0" b="0"/>
+      </a:lnRef>
+      <a:fillRef idx="1">
+        <a:scrgbClr r="0" g="0" b="0"/>
+      </a:fillRef>
+      <a:effectRef idx="0">
+        <a:scrgbClr r="0" g="0" b="0"/>
+      </a:effectRef>
+      <a:fontRef idx="minor"/>
+    </dgm:style>
+  </dgm:styleLbl>
+  <dgm:styleLbl name="alignAcc1">
+    <dgm:scene3d>
+      <a:camera prst="orthographicFront"/>
+      <a:lightRig rig="threePt" dir="t"/>
+    </dgm:scene3d>
+    <dgm:sp3d/>
+    <dgm:txPr/>
+    <dgm:style>
+      <a:lnRef idx="2">
+        <a:scrgbClr r="0" g="0" b="0"/>
+      </a:lnRef>
+      <a:fillRef idx="1">
+        <a:scrgbClr r="0" g="0" b="0"/>
+      </a:fillRef>
+      <a:effectRef idx="0">
+        <a:scrgbClr r="0" g="0" b="0"/>
+      </a:effectRef>
+      <a:fontRef idx="minor"/>
+    </dgm:style>
+  </dgm:styleLbl>
+  <dgm:styleLbl name="trAlignAcc1">
+    <dgm:scene3d>
+      <a:camera prst="orthographicFront"/>
+      <a:lightRig rig="threePt" dir="t"/>
+    </dgm:scene3d>
+    <dgm:sp3d/>
+    <dgm:txPr/>
+    <dgm:style>
+      <a:lnRef idx="1">
+        <a:scrgbClr r="0" g="0" b="0"/>
+      </a:lnRef>
+      <a:fillRef idx="1">
+        <a:scrgbClr r="0" g="0" b="0"/>
+      </a:fillRef>
+      <a:effectRef idx="0">
+        <a:scrgbClr r="0" g="0" b="0"/>
+      </a:effectRef>
+      <a:fontRef idx="minor"/>
+    </dgm:style>
+  </dgm:styleLbl>
+  <dgm:styleLbl name="bgAcc1">
+    <dgm:scene3d>
+      <a:camera prst="orthographicFront"/>
+      <a:lightRig rig="threePt" dir="t"/>
+    </dgm:scene3d>
+    <dgm:sp3d/>
+    <dgm:txPr/>
+    <dgm:style>
+      <a:lnRef idx="2">
+        <a:scrgbClr r="0" g="0" b="0"/>
+      </a:lnRef>
+      <a:fillRef idx="1">
+        <a:scrgbClr r="0" g="0" b="0"/>
+      </a:fillRef>
+      <a:effectRef idx="0">
+        <a:scrgbClr r="0" g="0" b="0"/>
+      </a:effectRef>
+      <a:fontRef idx="minor"/>
+    </dgm:style>
+  </dgm:styleLbl>
+  <dgm:styleLbl name="solidFgAcc1">
+    <dgm:scene3d>
+      <a:camera prst="orthographicFront"/>
+      <a:lightRig rig="threePt" dir="t"/>
+    </dgm:scene3d>
+    <dgm:sp3d/>
+    <dgm:txPr/>
+    <dgm:style>
+      <a:lnRef idx="2">
+        <a:scrgbClr r="0" g="0" b="0"/>
+      </a:lnRef>
+      <a:fillRef idx="1">
+        <a:scrgbClr r="0" g="0" b="0"/>
+      </a:fillRef>
+      <a:effectRef idx="0">
+        <a:scrgbClr r="0" g="0" b="0"/>
+      </a:effectRef>
+      <a:fontRef idx="minor"/>
+    </dgm:style>
+  </dgm:styleLbl>
+  <dgm:styleLbl name="solidAlignAcc1">
+    <dgm:scene3d>
+      <a:camera prst="orthographicFront"/>
+      <a:lightRig rig="threePt" dir="t"/>
+    </dgm:scene3d>
+    <dgm:sp3d/>
+    <dgm:txPr/>
+    <dgm:style>
+      <a:lnRef idx="2">
+        <a:scrgbClr r="0" g="0" b="0"/>
+      </a:lnRef>
+      <a:fillRef idx="1">
+        <a:scrgbClr r="0" g="0" b="0"/>
+      </a:fillRef>
+      <a:effectRef idx="0">
+        <a:scrgbClr r="0" g="0" b="0"/>
+      </a:effectRef>
+      <a:fontRef idx="minor"/>
+    </dgm:style>
+  </dgm:styleLbl>
+  <dgm:styleLbl name="solidBgAcc1">
+    <dgm:scene3d>
+      <a:camera prst="orthographicFront"/>
+      <a:lightRig rig="threePt" dir="t"/>
+    </dgm:scene3d>
+    <dgm:sp3d/>
+    <dgm:txPr/>
+    <dgm:style>
+      <a:lnRef idx="2">
+        <a:scrgbClr r="0" g="0" b="0"/>
+      </a:lnRef>
+      <a:fillRef idx="1">
+        <a:scrgbClr r="0" g="0" b="0"/>
+      </a:fillRef>
+      <a:effectRef idx="0">
+        <a:scrgbClr r="0" g="0" b="0"/>
+      </a:effectRef>
+      <a:fontRef idx="minor"/>
+    </dgm:style>
+  </dgm:styleLbl>
+  <dgm:styleLbl name="fgAccFollowNode1">
+    <dgm:scene3d>
+      <a:camera prst="orthographicFront"/>
+      <a:lightRig rig="threePt" dir="t"/>
+    </dgm:scene3d>
+    <dgm:sp3d/>
+    <dgm:txPr/>
+    <dgm:style>
+      <a:lnRef idx="2">
+        <a:scrgbClr r="0" g="0" b="0"/>
+      </a:lnRef>
+      <a:fillRef idx="1">
+        <a:scrgbClr r="0" g="0" b="0"/>
+      </a:fillRef>
+      <a:effectRef idx="0">
+        <a:scrgbClr r="0" g="0" b="0"/>
+      </a:effectRef>
+      <a:fontRef idx="minor"/>
+    </dgm:style>
+  </dgm:styleLbl>
+  <dgm:styleLbl name="alignAccFollowNode1">
+    <dgm:scene3d>
+      <a:camera prst="orthographicFront"/>
+      <a:lightRig rig="threePt" dir="t"/>
+    </dgm:scene3d>
+    <dgm:sp3d/>
+    <dgm:txPr/>
+    <dgm:style>
+      <a:lnRef idx="2">
+        <a:scrgbClr r="0" g="0" b="0"/>
+      </a:lnRef>
+      <a:fillRef idx="1">
+        <a:scrgbClr r="0" g="0" b="0"/>
+      </a:fillRef>
+      <a:effectRef idx="0">
+        <a:scrgbClr r="0" g="0" b="0"/>
+      </a:effectRef>
+      <a:fontRef idx="minor"/>
+    </dgm:style>
+  </dgm:styleLbl>
+  <dgm:styleLbl name="bgAccFollowNode1">
+    <dgm:scene3d>
+      <a:camera prst="orthographicFront"/>
+      <a:lightRig rig="threePt" dir="t"/>
+    </dgm:scene3d>
+    <dgm:sp3d/>
+    <dgm:txPr/>
+    <dgm:style>
+      <a:lnRef idx="2">
+        <a:scrgbClr r="0" g="0" b="0"/>
+      </a:lnRef>
+      <a:fillRef idx="1">
+        <a:scrgbClr r="0" g="0" b="0"/>
+      </a:fillRef>
+      <a:effectRef idx="0">
+        <a:scrgbClr r="0" g="0" b="0"/>
+      </a:effectRef>
+      <a:fontRef idx="minor"/>
+    </dgm:style>
+  </dgm:styleLbl>
+  <dgm:styleLbl name="fgAcc0">
+    <dgm:scene3d>
+      <a:camera prst="orthographicFront"/>
+      <a:lightRig rig="threePt" dir="t"/>
+    </dgm:scene3d>
+    <dgm:sp3d/>
+    <dgm:txPr/>
+    <dgm:style>
+      <a:lnRef idx="2">
+        <a:scrgbClr r="0" g="0" b="0"/>
+      </a:lnRef>
+      <a:fillRef idx="1">
+        <a:scrgbClr r="0" g="0" b="0"/>
+      </a:fillRef>
+      <a:effectRef idx="0">
+        <a:scrgbClr r="0" g="0" b="0"/>
+      </a:effectRef>
+      <a:fontRef idx="minor"/>
+    </dgm:style>
+  </dgm:styleLbl>
+  <dgm:styleLbl name="fgAcc2">
+    <dgm:scene3d>
+      <a:camera prst="orthographicFront"/>
+      <a:lightRig rig="threePt" dir="t"/>
+    </dgm:scene3d>
+    <dgm:sp3d/>
+    <dgm:txPr/>
+    <dgm:style>
+      <a:lnRef idx="2">
+        <a:scrgbClr r="0" g="0" b="0"/>
+      </a:lnRef>
+      <a:fillRef idx="1">
+        <a:scrgbClr r="0" g="0" b="0"/>
+      </a:fillRef>
+      <a:effectRef idx="0">
+        <a:scrgbClr r="0" g="0" b="0"/>
+      </a:effectRef>
+      <a:fontRef idx="minor"/>
+    </dgm:style>
+  </dgm:styleLbl>
+  <dgm:styleLbl name="fgAcc3">
+    <dgm:scene3d>
+      <a:camera prst="orthographicFront"/>
+      <a:lightRig rig="threePt" dir="t"/>
+    </dgm:scene3d>
+    <dgm:sp3d/>
+    <dgm:txPr/>
+    <dgm:style>
+      <a:lnRef idx="2">
+        <a:scrgbClr r="0" g="0" b="0"/>
+      </a:lnRef>
+      <a:fillRef idx="1">
+        <a:scrgbClr r="0" g="0" b="0"/>
+      </a:fillRef>
+      <a:effectRef idx="0">
+        <a:scrgbClr r="0" g="0" b="0"/>
+      </a:effectRef>
+      <a:fontRef idx="minor"/>
+    </dgm:style>
+  </dgm:styleLbl>
+  <dgm:styleLbl name="fgAcc4">
+    <dgm:scene3d>
+      <a:camera prst="orthographicFront"/>
+      <a:lightRig rig="threePt" dir="t"/>
+    </dgm:scene3d>
+    <dgm:sp3d/>
+    <dgm:txPr/>
+    <dgm:style>
+      <a:lnRef idx="2">
+        <a:scrgbClr r="0" g="0" b="0"/>
+      </a:lnRef>
+      <a:fillRef idx="1">
+        <a:scrgbClr r="0" g="0" b="0"/>
+      </a:fillRef>
+      <a:effectRef idx="0">
+        <a:scrgbClr r="0" g="0" b="0"/>
+      </a:effectRef>
+      <a:fontRef idx="minor"/>
+    </dgm:style>
+  </dgm:styleLbl>
+  <dgm:styleLbl name="bgShp">
+    <dgm:scene3d>
+      <a:camera prst="orthographicFront"/>
+      <a:lightRig rig="threePt" dir="t"/>
+    </dgm:scene3d>
+    <dgm:sp3d/>
+    <dgm:txPr/>
+    <dgm:style>
+      <a:lnRef idx="0">
+        <a:scrgbClr r="0" g="0" b="0"/>
+      </a:lnRef>
+      <a:fillRef idx="1">
+        <a:scrgbClr r="0" g="0" b="0"/>
+      </a:fillRef>
+      <a:effectRef idx="0">
+        <a:scrgbClr r="0" g="0" b="0"/>
+      </a:effectRef>
+      <a:fontRef idx="minor"/>
+    </dgm:style>
+  </dgm:styleLbl>
+  <dgm:styleLbl name="dkBgShp">
+    <dgm:scene3d>
+      <a:camera prst="orthographicFront"/>
+      <a:lightRig rig="threePt" dir="t"/>
+    </dgm:scene3d>
+    <dgm:sp3d/>
+    <dgm:txPr/>
+    <dgm:style>
+      <a:lnRef idx="0">
+        <a:scrgbClr r="0" g="0" b="0"/>
+      </a:lnRef>
+      <a:fillRef idx="1">
+        <a:scrgbClr r="0" g="0" b="0"/>
+      </a:fillRef>
+      <a:effectRef idx="0">
+        <a:scrgbClr r="0" g="0" b="0"/>
+      </a:effectRef>
+      <a:fontRef idx="minor"/>
+    </dgm:style>
+  </dgm:styleLbl>
+  <dgm:styleLbl name="trBgShp">
+    <dgm:scene3d>
+      <a:camera prst="orthographicFront"/>
+      <a:lightRig rig="threePt" dir="t"/>
+    </dgm:scene3d>
+    <dgm:sp3d/>
+    <dgm:txPr/>
+    <dgm:style>
+      <a:lnRef idx="0">
+        <a:scrgbClr r="0" g="0" b="0"/>
+      </a:lnRef>
+      <a:fillRef idx="1">
+        <a:scrgbClr r="0" g="0" b="0"/>
+      </a:fillRef>
+      <a:effectRef idx="0">
+        <a:scrgbClr r="0" g="0" b="0"/>
+      </a:effectRef>
+      <a:fontRef idx="minor"/>
+    </dgm:style>
+  </dgm:styleLbl>
+  <dgm:styleLbl name="fgShp">
+    <dgm:scene3d>
+      <a:camera prst="orthographicFront"/>
+      <a:lightRig rig="threePt" dir="t"/>
+    </dgm:scene3d>
+    <dgm:sp3d/>
+    <dgm:txPr/>
+    <dgm:style>
+      <a:lnRef idx="2">
+        <a:scrgbClr r="0" g="0" b="0"/>
+      </a:lnRef>
+      <a:fillRef idx="1">
+        <a:scrgbClr r="0" g="0" b="0"/>
+      </a:fillRef>
+      <a:effectRef idx="0">
+        <a:scrgbClr r="0" g="0" b="0"/>
+      </a:effectRef>
+      <a:fontRef idx="minor"/>
+    </dgm:style>
+  </dgm:styleLbl>
+  <dgm:styleLbl name="revTx">
+    <dgm:scene3d>
+      <a:camera prst="orthographicFront"/>
+      <a:lightRig rig="threePt" dir="t"/>
+    </dgm:scene3d>
+    <dgm:sp3d/>
+    <dgm:txPr/>
+    <dgm:style>
+      <a:lnRef idx="0">
+        <a:scrgbClr r="0" g="0" b="0"/>
+      </a:lnRef>
+      <a:fillRef idx="0">
+        <a:scrgbClr r="0" g="0" b="0"/>
+      </a:fillRef>
+      <a:effectRef idx="0">
+        <a:scrgbClr r="0" g="0" b="0"/>
+      </a:effectRef>
+      <a:fontRef idx="minor"/>
+    </dgm:style>
+  </dgm:styleLbl>
+</dgm:styleDef>
+</file>
+
+<file path=ppt/diagrams/quickStyle3.xml><?xml version="1.0" encoding="utf-8"?>
 <dgm:styleDef xmlns:dgm="http://schemas.openxmlformats.org/drawingml/2006/diagram" xmlns:a="http://schemas.openxmlformats.org/drawingml/2006/main" uniqueId="urn:microsoft.com/office/officeart/2005/8/quickstyle/simple1">
   <dgm:title val=""/>
   <dgm:desc val=""/>
@@ -14975,7 +18134,7 @@
           </a:bodyPr>
           <a:lstStyle/>
           <a:p>
-            <a:endParaRPr lang="pt-BR" sz="5400"/>
+            <a:endParaRPr lang="pt-BR" sz="5400" dirty="0"/>
           </a:p>
         </p:txBody>
       </p:sp>
@@ -15617,38 +18776,32 @@
           </a:p>
         </p:txBody>
       </p:sp>
-      <p:sp>
-        <p:nvSpPr>
-          <p:cNvPr id="3" name="Espaço Reservado para Conteúdo 2">
+      <p:graphicFrame>
+        <p:nvGraphicFramePr>
+          <p:cNvPr id="12" name="Espaço Reservado para Conteúdo 2">
             <a:extLst>
               <a:ext uri="{FF2B5EF4-FFF2-40B4-BE49-F238E27FC236}">
-                <a16:creationId xmlns:a16="http://schemas.microsoft.com/office/drawing/2014/main" id="{3C44C445-AD83-3363-0A47-5C7A8C989C4A}"/>
+                <a16:creationId xmlns:a16="http://schemas.microsoft.com/office/drawing/2014/main" id="{5EBDA612-D2CC-2F51-9054-B26A4C336A0D}"/>
               </a:ext>
             </a:extLst>
           </p:cNvPr>
-          <p:cNvSpPr>
-            <a:spLocks noGrp="1"/>
-          </p:cNvSpPr>
+          <p:cNvGraphicFramePr>
+            <a:graphicFrameLocks noGrp="1"/>
+          </p:cNvGraphicFramePr>
           <p:nvPr>
             <p:ph idx="1"/>
           </p:nvPr>
-        </p:nvSpPr>
-        <p:spPr>
-          <a:xfrm>
-            <a:off x="838200" y="1929384"/>
-            <a:ext cx="10515600" cy="4251960"/>
-          </a:xfrm>
-        </p:spPr>
-        <p:txBody>
-          <a:bodyPr>
-            <a:normAutofit/>
-          </a:bodyPr>
-          <a:lstStyle/>
-          <a:p>
-            <a:endParaRPr lang="pt-BR" sz="2200" dirty="0"/>
-          </a:p>
-        </p:txBody>
-      </p:sp>
+        </p:nvGraphicFramePr>
+        <p:xfrm>
+          <a:off x="838200" y="1929384"/>
+          <a:ext cx="10515600" cy="4251960"/>
+        </p:xfrm>
+        <a:graphic>
+          <a:graphicData uri="http://schemas.openxmlformats.org/drawingml/2006/diagram">
+            <dgm:relIds xmlns:dgm="http://schemas.openxmlformats.org/drawingml/2006/diagram" xmlns:r="http://schemas.openxmlformats.org/officeDocument/2006/relationships" r:dm="rId2" r:lo="rId3" r:qs="rId4" r:cs="rId5"/>
+          </a:graphicData>
+        </a:graphic>
+      </p:graphicFrame>
     </p:spTree>
     <p:extLst>
       <p:ext uri="{BB962C8B-B14F-4D97-AF65-F5344CB8AC3E}">
